--- a/presentations/Bài 3_Cac phep toan va bieu thuc.pptx
+++ b/presentations/Bài 3_Cac phep toan va bieu thuc.pptx
@@ -5,7 +5,7 @@
     <p:sldMasterId id="2147483659" r:id="rId1"/>
   </p:sldMasterIdLst>
   <p:notesMasterIdLst>
-    <p:notesMasterId r:id="rId40"/>
+    <p:notesMasterId r:id="rId44"/>
   </p:notesMasterIdLst>
   <p:sldIdLst>
     <p:sldId id="256" r:id="rId2"/>
@@ -46,34 +46,45 @@
     <p:sldId id="328" r:id="rId37"/>
     <p:sldId id="329" r:id="rId38"/>
     <p:sldId id="330" r:id="rId39"/>
+    <p:sldId id="332" r:id="rId40"/>
+    <p:sldId id="333" r:id="rId41"/>
+    <p:sldId id="334" r:id="rId42"/>
+    <p:sldId id="335" r:id="rId43"/>
   </p:sldIdLst>
   <p:sldSz cx="9144000" cy="5143500" type="screen16x9"/>
   <p:notesSz cx="6858000" cy="9144000"/>
   <p:embeddedFontLst>
     <p:embeddedFont>
       <p:font typeface="Alfa Slab One" panose="020B0604020202020204" charset="0"/>
-      <p:regular r:id="rId41"/>
+      <p:regular r:id="rId45"/>
     </p:embeddedFont>
     <p:embeddedFont>
-      <p:font typeface="Helvetica Neue" panose="02000506040000020004" pitchFamily="2" charset="0"/>
-      <p:regular r:id="rId42"/>
-      <p:bold r:id="rId43"/>
-      <p:italic r:id="rId44"/>
-      <p:boldItalic r:id="rId45"/>
-    </p:embeddedFont>
-    <p:embeddedFont>
-      <p:font typeface="Proxima Nova" panose="020B0604020202020204" charset="0"/>
+      <p:font typeface="Calibri" panose="020F0502020204030204" pitchFamily="34" charset="0"/>
       <p:regular r:id="rId46"/>
       <p:bold r:id="rId47"/>
       <p:italic r:id="rId48"/>
       <p:boldItalic r:id="rId49"/>
     </p:embeddedFont>
     <p:embeddedFont>
-      <p:font typeface="Roboto" panose="02000000000000000000" pitchFamily="2" charset="0"/>
+      <p:font typeface="Helvetica Neue" panose="02000506040000020004" pitchFamily="2" charset="0"/>
       <p:regular r:id="rId50"/>
       <p:bold r:id="rId51"/>
       <p:italic r:id="rId52"/>
       <p:boldItalic r:id="rId53"/>
+    </p:embeddedFont>
+    <p:embeddedFont>
+      <p:font typeface="Proxima Nova" panose="020B0604020202020204" charset="0"/>
+      <p:regular r:id="rId54"/>
+      <p:bold r:id="rId55"/>
+      <p:italic r:id="rId56"/>
+      <p:boldItalic r:id="rId57"/>
+    </p:embeddedFont>
+    <p:embeddedFont>
+      <p:font typeface="Roboto" panose="02000000000000000000" pitchFamily="2" charset="0"/>
+      <p:regular r:id="rId58"/>
+      <p:bold r:id="rId59"/>
+      <p:italic r:id="rId60"/>
+      <p:boldItalic r:id="rId61"/>
     </p:embeddedFont>
   </p:embeddedFontLst>
   <p:defaultTextStyle>
@@ -12775,6 +12786,115 @@
 </p:notes>
 </file>
 
+<file path=ppt/notesSlides/notesSlide39.xml><?xml version="1.0" encoding="utf-8"?>
+<p:notes xmlns:a="http://schemas.openxmlformats.org/drawingml/2006/main" xmlns:r="http://schemas.openxmlformats.org/officeDocument/2006/relationships" xmlns:p="http://schemas.openxmlformats.org/presentationml/2006/main" showMasterSp="0" showMasterPhAnim="0">
+  <p:cSld>
+    <p:spTree>
+      <p:nvGrpSpPr>
+        <p:cNvPr id="1" name="Shape 160"/>
+        <p:cNvGrpSpPr/>
+        <p:nvPr/>
+      </p:nvGrpSpPr>
+      <p:grpSpPr>
+        <a:xfrm>
+          <a:off x="0" y="0"/>
+          <a:ext cx="0" cy="0"/>
+          <a:chOff x="0" y="0"/>
+          <a:chExt cx="0" cy="0"/>
+        </a:xfrm>
+      </p:grpSpPr>
+      <p:sp>
+        <p:nvSpPr>
+          <p:cNvPr id="161" name="Google Shape;161;g1658efc2617_0_72:notes"/>
+          <p:cNvSpPr>
+            <a:spLocks noGrp="1" noRot="1" noChangeAspect="1"/>
+          </p:cNvSpPr>
+          <p:nvPr>
+            <p:ph type="sldImg" idx="2"/>
+          </p:nvPr>
+        </p:nvSpPr>
+        <p:spPr>
+          <a:xfrm>
+            <a:off x="381000" y="685800"/>
+            <a:ext cx="6096000" cy="3429000"/>
+          </a:xfrm>
+          <a:custGeom>
+            <a:avLst/>
+            <a:gdLst/>
+            <a:ahLst/>
+            <a:cxnLst/>
+            <a:rect l="l" t="t" r="r" b="b"/>
+            <a:pathLst>
+              <a:path w="120000" h="120000" extrusionOk="0">
+                <a:moveTo>
+                  <a:pt x="0" y="0"/>
+                </a:moveTo>
+                <a:lnTo>
+                  <a:pt x="120000" y="0"/>
+                </a:lnTo>
+                <a:lnTo>
+                  <a:pt x="120000" y="120000"/>
+                </a:lnTo>
+                <a:lnTo>
+                  <a:pt x="0" y="120000"/>
+                </a:lnTo>
+                <a:close/>
+              </a:path>
+            </a:pathLst>
+          </a:custGeom>
+        </p:spPr>
+      </p:sp>
+      <p:sp>
+        <p:nvSpPr>
+          <p:cNvPr id="162" name="Google Shape;162;g1658efc2617_0_72:notes"/>
+          <p:cNvSpPr txBox="1">
+            <a:spLocks noGrp="1"/>
+          </p:cNvSpPr>
+          <p:nvPr>
+            <p:ph type="body" idx="1"/>
+          </p:nvPr>
+        </p:nvSpPr>
+        <p:spPr>
+          <a:xfrm>
+            <a:off x="685800" y="4343400"/>
+            <a:ext cx="5486400" cy="4114800"/>
+          </a:xfrm>
+          <a:prstGeom prst="rect">
+            <a:avLst/>
+          </a:prstGeom>
+        </p:spPr>
+        <p:txBody>
+          <a:bodyPr spcFirstLastPara="1" wrap="square" lIns="91425" tIns="91425" rIns="91425" bIns="91425" anchor="t" anchorCtr="0">
+            <a:noAutofit/>
+          </a:bodyPr>
+          <a:lstStyle/>
+          <a:p>
+            <a:pPr marL="0" lvl="0" indent="0" algn="l" rtl="0">
+              <a:spcBef>
+                <a:spcPts val="0"/>
+              </a:spcBef>
+              <a:spcAft>
+                <a:spcPts val="0"/>
+              </a:spcAft>
+              <a:buNone/>
+            </a:pPr>
+            <a:endParaRPr/>
+          </a:p>
+        </p:txBody>
+      </p:sp>
+    </p:spTree>
+    <p:extLst>
+      <p:ext uri="{BB962C8B-B14F-4D97-AF65-F5344CB8AC3E}">
+        <p14:creationId xmlns:p14="http://schemas.microsoft.com/office/powerpoint/2010/main" val="558986461"/>
+      </p:ext>
+    </p:extLst>
+  </p:cSld>
+  <p:clrMapOvr>
+    <a:masterClrMapping/>
+  </p:clrMapOvr>
+</p:notes>
+</file>
+
 <file path=ppt/notesSlides/notesSlide4.xml><?xml version="1.0" encoding="utf-8"?>
 <p:notes xmlns:a="http://schemas.openxmlformats.org/drawingml/2006/main" xmlns:r="http://schemas.openxmlformats.org/officeDocument/2006/relationships" xmlns:p="http://schemas.openxmlformats.org/presentationml/2006/main" showMasterSp="0" showMasterPhAnim="0">
   <p:cSld>
@@ -12872,6 +12992,2666 @@
         </p:txBody>
       </p:sp>
     </p:spTree>
+  </p:cSld>
+  <p:clrMapOvr>
+    <a:masterClrMapping/>
+  </p:clrMapOvr>
+</p:notes>
+</file>
+
+<file path=ppt/notesSlides/notesSlide40.xml><?xml version="1.0" encoding="utf-8"?>
+<p:notes xmlns:a="http://schemas.openxmlformats.org/drawingml/2006/main" xmlns:r="http://schemas.openxmlformats.org/officeDocument/2006/relationships" xmlns:p="http://schemas.openxmlformats.org/presentationml/2006/main" showMasterSp="0" showMasterPhAnim="0">
+  <p:cSld>
+    <p:spTree>
+      <p:nvGrpSpPr>
+        <p:cNvPr id="1" name="Shape 171"/>
+        <p:cNvGrpSpPr/>
+        <p:nvPr/>
+      </p:nvGrpSpPr>
+      <p:grpSpPr>
+        <a:xfrm>
+          <a:off x="0" y="0"/>
+          <a:ext cx="0" cy="0"/>
+          <a:chOff x="0" y="0"/>
+          <a:chExt cx="0" cy="0"/>
+        </a:xfrm>
+      </p:grpSpPr>
+      <p:sp>
+        <p:nvSpPr>
+          <p:cNvPr id="172" name="Google Shape;172;g1658efc2617_0_130:notes"/>
+          <p:cNvSpPr>
+            <a:spLocks noGrp="1" noRot="1" noChangeAspect="1"/>
+          </p:cNvSpPr>
+          <p:nvPr>
+            <p:ph type="sldImg" idx="2"/>
+          </p:nvPr>
+        </p:nvSpPr>
+        <p:spPr>
+          <a:xfrm>
+            <a:off x="381000" y="685800"/>
+            <a:ext cx="6096000" cy="3429000"/>
+          </a:xfrm>
+          <a:custGeom>
+            <a:avLst/>
+            <a:gdLst/>
+            <a:ahLst/>
+            <a:cxnLst/>
+            <a:rect l="l" t="t" r="r" b="b"/>
+            <a:pathLst>
+              <a:path w="120000" h="120000" extrusionOk="0">
+                <a:moveTo>
+                  <a:pt x="0" y="0"/>
+                </a:moveTo>
+                <a:lnTo>
+                  <a:pt x="120000" y="0"/>
+                </a:lnTo>
+                <a:lnTo>
+                  <a:pt x="120000" y="120000"/>
+                </a:lnTo>
+                <a:lnTo>
+                  <a:pt x="0" y="120000"/>
+                </a:lnTo>
+                <a:close/>
+              </a:path>
+            </a:pathLst>
+          </a:custGeom>
+        </p:spPr>
+      </p:sp>
+      <p:sp>
+        <p:nvSpPr>
+          <p:cNvPr id="173" name="Google Shape;173;g1658efc2617_0_130:notes"/>
+          <p:cNvSpPr txBox="1">
+            <a:spLocks noGrp="1"/>
+          </p:cNvSpPr>
+          <p:nvPr>
+            <p:ph type="body" idx="1"/>
+          </p:nvPr>
+        </p:nvSpPr>
+        <p:spPr>
+          <a:xfrm>
+            <a:off x="685800" y="4343400"/>
+            <a:ext cx="5486400" cy="4114800"/>
+          </a:xfrm>
+          <a:prstGeom prst="rect">
+            <a:avLst/>
+          </a:prstGeom>
+        </p:spPr>
+        <p:txBody>
+          <a:bodyPr spcFirstLastPara="1" wrap="square" lIns="91425" tIns="91425" rIns="91425" bIns="91425" anchor="t" anchorCtr="0">
+            <a:noAutofit/>
+          </a:bodyPr>
+          <a:lstStyle/>
+          <a:p>
+            <a:pPr marL="0" lvl="0" indent="0" algn="l" rtl="0">
+              <a:lnSpc>
+                <a:spcPct val="115000"/>
+              </a:lnSpc>
+              <a:spcBef>
+                <a:spcPts val="0"/>
+              </a:spcBef>
+              <a:spcAft>
+                <a:spcPts val="0"/>
+              </a:spcAft>
+              <a:buClr>
+                <a:schemeClr val="dk1"/>
+              </a:buClr>
+              <a:buSzPts val="1100"/>
+              <a:buFont typeface="Arial"/>
+              <a:buNone/>
+            </a:pPr>
+            <a:r>
+              <a:rPr lang="en" sz="1150">
+                <a:solidFill>
+                  <a:srgbClr val="212529"/>
+                </a:solidFill>
+                <a:latin typeface="Roboto"/>
+                <a:ea typeface="Roboto"/>
+                <a:cs typeface="Roboto"/>
+                <a:sym typeface="Roboto"/>
+              </a:rPr>
+              <a:t>Cú pháp</a:t>
+            </a:r>
+            <a:endParaRPr sz="1150">
+              <a:solidFill>
+                <a:srgbClr val="212529"/>
+              </a:solidFill>
+              <a:latin typeface="Roboto"/>
+              <a:ea typeface="Roboto"/>
+              <a:cs typeface="Roboto"/>
+              <a:sym typeface="Roboto"/>
+            </a:endParaRPr>
+          </a:p>
+          <a:p>
+            <a:pPr marL="0" lvl="0" indent="0" algn="l" rtl="0">
+              <a:spcBef>
+                <a:spcPts val="1200"/>
+              </a:spcBef>
+              <a:spcAft>
+                <a:spcPts val="0"/>
+              </a:spcAft>
+              <a:buNone/>
+            </a:pPr>
+            <a:r>
+              <a:rPr lang="en" sz="1000">
+                <a:solidFill>
+                  <a:srgbClr val="A626A4"/>
+                </a:solidFill>
+                <a:highlight>
+                  <a:srgbClr val="FAFAFA"/>
+                </a:highlight>
+                <a:latin typeface="Courier New"/>
+                <a:ea typeface="Courier New"/>
+                <a:cs typeface="Courier New"/>
+                <a:sym typeface="Courier New"/>
+              </a:rPr>
+              <a:t>switch</a:t>
+            </a:r>
+            <a:r>
+              <a:rPr lang="en" sz="1000">
+                <a:solidFill>
+                  <a:srgbClr val="383A42"/>
+                </a:solidFill>
+                <a:highlight>
+                  <a:srgbClr val="FAFAFA"/>
+                </a:highlight>
+                <a:latin typeface="Courier New"/>
+                <a:ea typeface="Courier New"/>
+                <a:cs typeface="Courier New"/>
+                <a:sym typeface="Courier New"/>
+              </a:rPr>
+              <a:t> (biểu thứ</a:t>
+            </a:r>
+            <a:r>
+              <a:rPr lang="en" sz="1000">
+                <a:solidFill>
+                  <a:srgbClr val="C18401"/>
+                </a:solidFill>
+                <a:highlight>
+                  <a:srgbClr val="FAFAFA"/>
+                </a:highlight>
+                <a:latin typeface="Courier New"/>
+                <a:ea typeface="Courier New"/>
+                <a:cs typeface="Courier New"/>
+                <a:sym typeface="Courier New"/>
+              </a:rPr>
+              <a:t>c</a:t>
+            </a:r>
+            <a:r>
+              <a:rPr lang="en" sz="1000">
+                <a:solidFill>
+                  <a:srgbClr val="383A42"/>
+                </a:solidFill>
+                <a:highlight>
+                  <a:srgbClr val="FAFAFA"/>
+                </a:highlight>
+                <a:latin typeface="Courier New"/>
+                <a:ea typeface="Courier New"/>
+                <a:cs typeface="Courier New"/>
+                <a:sym typeface="Courier New"/>
+              </a:rPr>
+              <a:t>) {</a:t>
+            </a:r>
+            <a:endParaRPr sz="1000">
+              <a:solidFill>
+                <a:srgbClr val="383A42"/>
+              </a:solidFill>
+              <a:highlight>
+                <a:srgbClr val="FAFAFA"/>
+              </a:highlight>
+              <a:latin typeface="Courier New"/>
+              <a:ea typeface="Courier New"/>
+              <a:cs typeface="Courier New"/>
+              <a:sym typeface="Courier New"/>
+            </a:endParaRPr>
+          </a:p>
+          <a:p>
+            <a:pPr marL="0" lvl="0" indent="0" algn="l" rtl="0">
+              <a:spcBef>
+                <a:spcPts val="0"/>
+              </a:spcBef>
+              <a:spcAft>
+                <a:spcPts val="0"/>
+              </a:spcAft>
+              <a:buNone/>
+            </a:pPr>
+            <a:r>
+              <a:rPr lang="en" sz="1000">
+                <a:solidFill>
+                  <a:srgbClr val="383A42"/>
+                </a:solidFill>
+                <a:highlight>
+                  <a:srgbClr val="FAFAFA"/>
+                </a:highlight>
+                <a:latin typeface="Courier New"/>
+                <a:ea typeface="Courier New"/>
+                <a:cs typeface="Courier New"/>
+                <a:sym typeface="Courier New"/>
+              </a:rPr>
+              <a:t>  </a:t>
+            </a:r>
+            <a:r>
+              <a:rPr lang="en" sz="1000">
+                <a:solidFill>
+                  <a:srgbClr val="A626A4"/>
+                </a:solidFill>
+                <a:highlight>
+                  <a:srgbClr val="FAFAFA"/>
+                </a:highlight>
+                <a:latin typeface="Courier New"/>
+                <a:ea typeface="Courier New"/>
+                <a:cs typeface="Courier New"/>
+                <a:sym typeface="Courier New"/>
+              </a:rPr>
+              <a:t>case</a:t>
+            </a:r>
+            <a:r>
+              <a:rPr lang="en" sz="1000">
+                <a:solidFill>
+                  <a:srgbClr val="383A42"/>
+                </a:solidFill>
+                <a:highlight>
+                  <a:srgbClr val="FAFAFA"/>
+                </a:highlight>
+                <a:latin typeface="Courier New"/>
+                <a:ea typeface="Courier New"/>
+                <a:cs typeface="Courier New"/>
+                <a:sym typeface="Courier New"/>
+              </a:rPr>
+              <a:t> value1:</a:t>
+            </a:r>
+            <a:endParaRPr sz="1000">
+              <a:solidFill>
+                <a:srgbClr val="383A42"/>
+              </a:solidFill>
+              <a:highlight>
+                <a:srgbClr val="FAFAFA"/>
+              </a:highlight>
+              <a:latin typeface="Courier New"/>
+              <a:ea typeface="Courier New"/>
+              <a:cs typeface="Courier New"/>
+              <a:sym typeface="Courier New"/>
+            </a:endParaRPr>
+          </a:p>
+          <a:p>
+            <a:pPr marL="0" lvl="0" indent="0" algn="l" rtl="0">
+              <a:spcBef>
+                <a:spcPts val="0"/>
+              </a:spcBef>
+              <a:spcAft>
+                <a:spcPts val="0"/>
+              </a:spcAft>
+              <a:buNone/>
+            </a:pPr>
+            <a:r>
+              <a:rPr lang="en" sz="1000">
+                <a:solidFill>
+                  <a:srgbClr val="383A42"/>
+                </a:solidFill>
+                <a:highlight>
+                  <a:srgbClr val="FAFAFA"/>
+                </a:highlight>
+                <a:latin typeface="Courier New"/>
+                <a:ea typeface="Courier New"/>
+                <a:cs typeface="Courier New"/>
+                <a:sym typeface="Courier New"/>
+              </a:rPr>
+              <a:t>    </a:t>
+            </a:r>
+            <a:r>
+              <a:rPr lang="en" sz="1000" i="1">
+                <a:solidFill>
+                  <a:srgbClr val="A0A1A7"/>
+                </a:solidFill>
+                <a:highlight>
+                  <a:srgbClr val="FAFAFA"/>
+                </a:highlight>
+                <a:latin typeface="Courier New"/>
+                <a:ea typeface="Courier New"/>
+                <a:cs typeface="Courier New"/>
+                <a:sym typeface="Courier New"/>
+              </a:rPr>
+              <a:t>//Câu lệnh sẽ được thực thi khi</a:t>
+            </a:r>
+            <a:endParaRPr sz="1000">
+              <a:solidFill>
+                <a:srgbClr val="383A42"/>
+              </a:solidFill>
+              <a:highlight>
+                <a:srgbClr val="FAFAFA"/>
+              </a:highlight>
+              <a:latin typeface="Courier New"/>
+              <a:ea typeface="Courier New"/>
+              <a:cs typeface="Courier New"/>
+              <a:sym typeface="Courier New"/>
+            </a:endParaRPr>
+          </a:p>
+          <a:p>
+            <a:pPr marL="0" lvl="0" indent="0" algn="l" rtl="0">
+              <a:spcBef>
+                <a:spcPts val="0"/>
+              </a:spcBef>
+              <a:spcAft>
+                <a:spcPts val="0"/>
+              </a:spcAft>
+              <a:buNone/>
+            </a:pPr>
+            <a:r>
+              <a:rPr lang="en" sz="1000">
+                <a:solidFill>
+                  <a:srgbClr val="383A42"/>
+                </a:solidFill>
+                <a:highlight>
+                  <a:srgbClr val="FAFAFA"/>
+                </a:highlight>
+                <a:latin typeface="Courier New"/>
+                <a:ea typeface="Courier New"/>
+                <a:cs typeface="Courier New"/>
+                <a:sym typeface="Courier New"/>
+              </a:rPr>
+              <a:t>    </a:t>
+            </a:r>
+            <a:r>
+              <a:rPr lang="en" sz="1000" i="1">
+                <a:solidFill>
+                  <a:srgbClr val="A0A1A7"/>
+                </a:solidFill>
+                <a:highlight>
+                  <a:srgbClr val="FAFAFA"/>
+                </a:highlight>
+                <a:latin typeface="Courier New"/>
+                <a:ea typeface="Courier New"/>
+                <a:cs typeface="Courier New"/>
+                <a:sym typeface="Courier New"/>
+              </a:rPr>
+              <a:t>//kết quả của biểu thức khớp với value1</a:t>
+            </a:r>
+            <a:endParaRPr sz="1000">
+              <a:solidFill>
+                <a:srgbClr val="383A42"/>
+              </a:solidFill>
+              <a:highlight>
+                <a:srgbClr val="FAFAFA"/>
+              </a:highlight>
+              <a:latin typeface="Courier New"/>
+              <a:ea typeface="Courier New"/>
+              <a:cs typeface="Courier New"/>
+              <a:sym typeface="Courier New"/>
+            </a:endParaRPr>
+          </a:p>
+          <a:p>
+            <a:pPr marL="0" lvl="0" indent="0" algn="l" rtl="0">
+              <a:spcBef>
+                <a:spcPts val="0"/>
+              </a:spcBef>
+              <a:spcAft>
+                <a:spcPts val="0"/>
+              </a:spcAft>
+              <a:buNone/>
+            </a:pPr>
+            <a:r>
+              <a:rPr lang="en" sz="1000">
+                <a:solidFill>
+                  <a:srgbClr val="383A42"/>
+                </a:solidFill>
+                <a:highlight>
+                  <a:srgbClr val="FAFAFA"/>
+                </a:highlight>
+                <a:latin typeface="Courier New"/>
+                <a:ea typeface="Courier New"/>
+                <a:cs typeface="Courier New"/>
+                <a:sym typeface="Courier New"/>
+              </a:rPr>
+              <a:t>    [</a:t>
+            </a:r>
+            <a:r>
+              <a:rPr lang="en" sz="1000">
+                <a:solidFill>
+                  <a:srgbClr val="A626A4"/>
+                </a:solidFill>
+                <a:highlight>
+                  <a:srgbClr val="FAFAFA"/>
+                </a:highlight>
+                <a:latin typeface="Courier New"/>
+                <a:ea typeface="Courier New"/>
+                <a:cs typeface="Courier New"/>
+                <a:sym typeface="Courier New"/>
+              </a:rPr>
+              <a:t>break</a:t>
+            </a:r>
+            <a:r>
+              <a:rPr lang="en" sz="1000">
+                <a:solidFill>
+                  <a:srgbClr val="383A42"/>
+                </a:solidFill>
+                <a:highlight>
+                  <a:srgbClr val="FAFAFA"/>
+                </a:highlight>
+                <a:latin typeface="Courier New"/>
+                <a:ea typeface="Courier New"/>
+                <a:cs typeface="Courier New"/>
+                <a:sym typeface="Courier New"/>
+              </a:rPr>
+              <a:t>;]</a:t>
+            </a:r>
+            <a:endParaRPr sz="1000">
+              <a:solidFill>
+                <a:srgbClr val="383A42"/>
+              </a:solidFill>
+              <a:highlight>
+                <a:srgbClr val="FAFAFA"/>
+              </a:highlight>
+              <a:latin typeface="Courier New"/>
+              <a:ea typeface="Courier New"/>
+              <a:cs typeface="Courier New"/>
+              <a:sym typeface="Courier New"/>
+            </a:endParaRPr>
+          </a:p>
+          <a:p>
+            <a:pPr marL="0" lvl="0" indent="0" algn="l" rtl="0">
+              <a:spcBef>
+                <a:spcPts val="0"/>
+              </a:spcBef>
+              <a:spcAft>
+                <a:spcPts val="0"/>
+              </a:spcAft>
+              <a:buNone/>
+            </a:pPr>
+            <a:r>
+              <a:rPr lang="en" sz="1000">
+                <a:solidFill>
+                  <a:srgbClr val="383A42"/>
+                </a:solidFill>
+                <a:highlight>
+                  <a:srgbClr val="FAFAFA"/>
+                </a:highlight>
+                <a:latin typeface="Courier New"/>
+                <a:ea typeface="Courier New"/>
+                <a:cs typeface="Courier New"/>
+                <a:sym typeface="Courier New"/>
+              </a:rPr>
+              <a:t>  </a:t>
+            </a:r>
+            <a:r>
+              <a:rPr lang="en" sz="1000">
+                <a:solidFill>
+                  <a:srgbClr val="A626A4"/>
+                </a:solidFill>
+                <a:highlight>
+                  <a:srgbClr val="FAFAFA"/>
+                </a:highlight>
+                <a:latin typeface="Courier New"/>
+                <a:ea typeface="Courier New"/>
+                <a:cs typeface="Courier New"/>
+                <a:sym typeface="Courier New"/>
+              </a:rPr>
+              <a:t>case</a:t>
+            </a:r>
+            <a:r>
+              <a:rPr lang="en" sz="1000">
+                <a:solidFill>
+                  <a:srgbClr val="383A42"/>
+                </a:solidFill>
+                <a:highlight>
+                  <a:srgbClr val="FAFAFA"/>
+                </a:highlight>
+                <a:latin typeface="Courier New"/>
+                <a:ea typeface="Courier New"/>
+                <a:cs typeface="Courier New"/>
+                <a:sym typeface="Courier New"/>
+              </a:rPr>
+              <a:t> value2:</a:t>
+            </a:r>
+            <a:endParaRPr sz="1000">
+              <a:solidFill>
+                <a:srgbClr val="383A42"/>
+              </a:solidFill>
+              <a:highlight>
+                <a:srgbClr val="FAFAFA"/>
+              </a:highlight>
+              <a:latin typeface="Courier New"/>
+              <a:ea typeface="Courier New"/>
+              <a:cs typeface="Courier New"/>
+              <a:sym typeface="Courier New"/>
+            </a:endParaRPr>
+          </a:p>
+          <a:p>
+            <a:pPr marL="0" lvl="0" indent="0" algn="l" rtl="0">
+              <a:spcBef>
+                <a:spcPts val="0"/>
+              </a:spcBef>
+              <a:spcAft>
+                <a:spcPts val="0"/>
+              </a:spcAft>
+              <a:buNone/>
+            </a:pPr>
+            <a:r>
+              <a:rPr lang="en" sz="1000">
+                <a:solidFill>
+                  <a:srgbClr val="383A42"/>
+                </a:solidFill>
+                <a:highlight>
+                  <a:srgbClr val="FAFAFA"/>
+                </a:highlight>
+                <a:latin typeface="Courier New"/>
+                <a:ea typeface="Courier New"/>
+                <a:cs typeface="Courier New"/>
+                <a:sym typeface="Courier New"/>
+              </a:rPr>
+              <a:t>    </a:t>
+            </a:r>
+            <a:r>
+              <a:rPr lang="en" sz="1000" i="1">
+                <a:solidFill>
+                  <a:srgbClr val="A0A1A7"/>
+                </a:solidFill>
+                <a:highlight>
+                  <a:srgbClr val="FAFAFA"/>
+                </a:highlight>
+                <a:latin typeface="Courier New"/>
+                <a:ea typeface="Courier New"/>
+                <a:cs typeface="Courier New"/>
+                <a:sym typeface="Courier New"/>
+              </a:rPr>
+              <a:t>//Câu lệnh sẽ được thực thi khi</a:t>
+            </a:r>
+            <a:endParaRPr sz="1000">
+              <a:solidFill>
+                <a:srgbClr val="383A42"/>
+              </a:solidFill>
+              <a:highlight>
+                <a:srgbClr val="FAFAFA"/>
+              </a:highlight>
+              <a:latin typeface="Courier New"/>
+              <a:ea typeface="Courier New"/>
+              <a:cs typeface="Courier New"/>
+              <a:sym typeface="Courier New"/>
+            </a:endParaRPr>
+          </a:p>
+          <a:p>
+            <a:pPr marL="0" lvl="0" indent="0" algn="l" rtl="0">
+              <a:spcBef>
+                <a:spcPts val="0"/>
+              </a:spcBef>
+              <a:spcAft>
+                <a:spcPts val="0"/>
+              </a:spcAft>
+              <a:buNone/>
+            </a:pPr>
+            <a:r>
+              <a:rPr lang="en" sz="1000">
+                <a:solidFill>
+                  <a:srgbClr val="383A42"/>
+                </a:solidFill>
+                <a:highlight>
+                  <a:srgbClr val="FAFAFA"/>
+                </a:highlight>
+                <a:latin typeface="Courier New"/>
+                <a:ea typeface="Courier New"/>
+                <a:cs typeface="Courier New"/>
+                <a:sym typeface="Courier New"/>
+              </a:rPr>
+              <a:t>    </a:t>
+            </a:r>
+            <a:r>
+              <a:rPr lang="en" sz="1000" i="1">
+                <a:solidFill>
+                  <a:srgbClr val="A0A1A7"/>
+                </a:solidFill>
+                <a:highlight>
+                  <a:srgbClr val="FAFAFA"/>
+                </a:highlight>
+                <a:latin typeface="Courier New"/>
+                <a:ea typeface="Courier New"/>
+                <a:cs typeface="Courier New"/>
+                <a:sym typeface="Courier New"/>
+              </a:rPr>
+              <a:t>//kết quả của biểu thức khớp với value2</a:t>
+            </a:r>
+            <a:endParaRPr sz="1000">
+              <a:solidFill>
+                <a:srgbClr val="383A42"/>
+              </a:solidFill>
+              <a:highlight>
+                <a:srgbClr val="FAFAFA"/>
+              </a:highlight>
+              <a:latin typeface="Courier New"/>
+              <a:ea typeface="Courier New"/>
+              <a:cs typeface="Courier New"/>
+              <a:sym typeface="Courier New"/>
+            </a:endParaRPr>
+          </a:p>
+          <a:p>
+            <a:pPr marL="0" lvl="0" indent="0" algn="l" rtl="0">
+              <a:spcBef>
+                <a:spcPts val="0"/>
+              </a:spcBef>
+              <a:spcAft>
+                <a:spcPts val="0"/>
+              </a:spcAft>
+              <a:buNone/>
+            </a:pPr>
+            <a:endParaRPr sz="1000">
+              <a:solidFill>
+                <a:srgbClr val="383A42"/>
+              </a:solidFill>
+              <a:highlight>
+                <a:srgbClr val="FAFAFA"/>
+              </a:highlight>
+              <a:latin typeface="Courier New"/>
+              <a:ea typeface="Courier New"/>
+              <a:cs typeface="Courier New"/>
+              <a:sym typeface="Courier New"/>
+            </a:endParaRPr>
+          </a:p>
+          <a:p>
+            <a:pPr marL="0" lvl="0" indent="0" algn="l" rtl="0">
+              <a:spcBef>
+                <a:spcPts val="0"/>
+              </a:spcBef>
+              <a:spcAft>
+                <a:spcPts val="0"/>
+              </a:spcAft>
+              <a:buNone/>
+            </a:pPr>
+            <a:r>
+              <a:rPr lang="en" sz="1000">
+                <a:solidFill>
+                  <a:srgbClr val="383A42"/>
+                </a:solidFill>
+                <a:highlight>
+                  <a:srgbClr val="FAFAFA"/>
+                </a:highlight>
+                <a:latin typeface="Courier New"/>
+                <a:ea typeface="Courier New"/>
+                <a:cs typeface="Courier New"/>
+                <a:sym typeface="Courier New"/>
+              </a:rPr>
+              <a:t>    [</a:t>
+            </a:r>
+            <a:r>
+              <a:rPr lang="en" sz="1000">
+                <a:solidFill>
+                  <a:srgbClr val="A626A4"/>
+                </a:solidFill>
+                <a:highlight>
+                  <a:srgbClr val="FAFAFA"/>
+                </a:highlight>
+                <a:latin typeface="Courier New"/>
+                <a:ea typeface="Courier New"/>
+                <a:cs typeface="Courier New"/>
+                <a:sym typeface="Courier New"/>
+              </a:rPr>
+              <a:t>break</a:t>
+            </a:r>
+            <a:r>
+              <a:rPr lang="en" sz="1000">
+                <a:solidFill>
+                  <a:srgbClr val="383A42"/>
+                </a:solidFill>
+                <a:highlight>
+                  <a:srgbClr val="FAFAFA"/>
+                </a:highlight>
+                <a:latin typeface="Courier New"/>
+                <a:ea typeface="Courier New"/>
+                <a:cs typeface="Courier New"/>
+                <a:sym typeface="Courier New"/>
+              </a:rPr>
+              <a:t>;]</a:t>
+            </a:r>
+            <a:endParaRPr sz="1000">
+              <a:solidFill>
+                <a:srgbClr val="383A42"/>
+              </a:solidFill>
+              <a:highlight>
+                <a:srgbClr val="FAFAFA"/>
+              </a:highlight>
+              <a:latin typeface="Courier New"/>
+              <a:ea typeface="Courier New"/>
+              <a:cs typeface="Courier New"/>
+              <a:sym typeface="Courier New"/>
+            </a:endParaRPr>
+          </a:p>
+          <a:p>
+            <a:pPr marL="0" lvl="0" indent="0" algn="l" rtl="0">
+              <a:spcBef>
+                <a:spcPts val="0"/>
+              </a:spcBef>
+              <a:spcAft>
+                <a:spcPts val="0"/>
+              </a:spcAft>
+              <a:buNone/>
+            </a:pPr>
+            <a:r>
+              <a:rPr lang="en" sz="1000">
+                <a:solidFill>
+                  <a:srgbClr val="383A42"/>
+                </a:solidFill>
+                <a:highlight>
+                  <a:srgbClr val="FAFAFA"/>
+                </a:highlight>
+                <a:latin typeface="Courier New"/>
+                <a:ea typeface="Courier New"/>
+                <a:cs typeface="Courier New"/>
+                <a:sym typeface="Courier New"/>
+              </a:rPr>
+              <a:t>  ...</a:t>
+            </a:r>
+            <a:endParaRPr sz="1000">
+              <a:solidFill>
+                <a:srgbClr val="383A42"/>
+              </a:solidFill>
+              <a:highlight>
+                <a:srgbClr val="FAFAFA"/>
+              </a:highlight>
+              <a:latin typeface="Courier New"/>
+              <a:ea typeface="Courier New"/>
+              <a:cs typeface="Courier New"/>
+              <a:sym typeface="Courier New"/>
+            </a:endParaRPr>
+          </a:p>
+          <a:p>
+            <a:pPr marL="0" lvl="0" indent="0" algn="l" rtl="0">
+              <a:spcBef>
+                <a:spcPts val="0"/>
+              </a:spcBef>
+              <a:spcAft>
+                <a:spcPts val="0"/>
+              </a:spcAft>
+              <a:buNone/>
+            </a:pPr>
+            <a:r>
+              <a:rPr lang="en" sz="1000">
+                <a:solidFill>
+                  <a:srgbClr val="383A42"/>
+                </a:solidFill>
+                <a:highlight>
+                  <a:srgbClr val="FAFAFA"/>
+                </a:highlight>
+                <a:latin typeface="Courier New"/>
+                <a:ea typeface="Courier New"/>
+                <a:cs typeface="Courier New"/>
+                <a:sym typeface="Courier New"/>
+              </a:rPr>
+              <a:t>  </a:t>
+            </a:r>
+            <a:r>
+              <a:rPr lang="en" sz="1000">
+                <a:solidFill>
+                  <a:srgbClr val="A626A4"/>
+                </a:solidFill>
+                <a:highlight>
+                  <a:srgbClr val="FAFAFA"/>
+                </a:highlight>
+                <a:latin typeface="Courier New"/>
+                <a:ea typeface="Courier New"/>
+                <a:cs typeface="Courier New"/>
+                <a:sym typeface="Courier New"/>
+              </a:rPr>
+              <a:t>case</a:t>
+            </a:r>
+            <a:r>
+              <a:rPr lang="en" sz="1000">
+                <a:solidFill>
+                  <a:srgbClr val="383A42"/>
+                </a:solidFill>
+                <a:highlight>
+                  <a:srgbClr val="FAFAFA"/>
+                </a:highlight>
+                <a:latin typeface="Courier New"/>
+                <a:ea typeface="Courier New"/>
+                <a:cs typeface="Courier New"/>
+                <a:sym typeface="Courier New"/>
+              </a:rPr>
+              <a:t> valueN:</a:t>
+            </a:r>
+            <a:endParaRPr sz="1000">
+              <a:solidFill>
+                <a:srgbClr val="383A42"/>
+              </a:solidFill>
+              <a:highlight>
+                <a:srgbClr val="FAFAFA"/>
+              </a:highlight>
+              <a:latin typeface="Courier New"/>
+              <a:ea typeface="Courier New"/>
+              <a:cs typeface="Courier New"/>
+              <a:sym typeface="Courier New"/>
+            </a:endParaRPr>
+          </a:p>
+          <a:p>
+            <a:pPr marL="0" lvl="0" indent="0" algn="l" rtl="0">
+              <a:spcBef>
+                <a:spcPts val="0"/>
+              </a:spcBef>
+              <a:spcAft>
+                <a:spcPts val="0"/>
+              </a:spcAft>
+              <a:buNone/>
+            </a:pPr>
+            <a:r>
+              <a:rPr lang="en" sz="1000">
+                <a:solidFill>
+                  <a:srgbClr val="383A42"/>
+                </a:solidFill>
+                <a:highlight>
+                  <a:srgbClr val="FAFAFA"/>
+                </a:highlight>
+                <a:latin typeface="Courier New"/>
+                <a:ea typeface="Courier New"/>
+                <a:cs typeface="Courier New"/>
+                <a:sym typeface="Courier New"/>
+              </a:rPr>
+              <a:t>    </a:t>
+            </a:r>
+            <a:r>
+              <a:rPr lang="en" sz="1000" i="1">
+                <a:solidFill>
+                  <a:srgbClr val="A0A1A7"/>
+                </a:solidFill>
+                <a:highlight>
+                  <a:srgbClr val="FAFAFA"/>
+                </a:highlight>
+                <a:latin typeface="Courier New"/>
+                <a:ea typeface="Courier New"/>
+                <a:cs typeface="Courier New"/>
+                <a:sym typeface="Courier New"/>
+              </a:rPr>
+              <a:t>//Câu lệnh sẽ được thực thi khi</a:t>
+            </a:r>
+            <a:endParaRPr sz="1000">
+              <a:solidFill>
+                <a:srgbClr val="383A42"/>
+              </a:solidFill>
+              <a:highlight>
+                <a:srgbClr val="FAFAFA"/>
+              </a:highlight>
+              <a:latin typeface="Courier New"/>
+              <a:ea typeface="Courier New"/>
+              <a:cs typeface="Courier New"/>
+              <a:sym typeface="Courier New"/>
+            </a:endParaRPr>
+          </a:p>
+          <a:p>
+            <a:pPr marL="0" lvl="0" indent="0" algn="l" rtl="0">
+              <a:spcBef>
+                <a:spcPts val="0"/>
+              </a:spcBef>
+              <a:spcAft>
+                <a:spcPts val="0"/>
+              </a:spcAft>
+              <a:buNone/>
+            </a:pPr>
+            <a:r>
+              <a:rPr lang="en" sz="1000">
+                <a:solidFill>
+                  <a:srgbClr val="383A42"/>
+                </a:solidFill>
+                <a:highlight>
+                  <a:srgbClr val="FAFAFA"/>
+                </a:highlight>
+                <a:latin typeface="Courier New"/>
+                <a:ea typeface="Courier New"/>
+                <a:cs typeface="Courier New"/>
+                <a:sym typeface="Courier New"/>
+              </a:rPr>
+              <a:t>    </a:t>
+            </a:r>
+            <a:r>
+              <a:rPr lang="en" sz="1000" i="1">
+                <a:solidFill>
+                  <a:srgbClr val="A0A1A7"/>
+                </a:solidFill>
+                <a:highlight>
+                  <a:srgbClr val="FAFAFA"/>
+                </a:highlight>
+                <a:latin typeface="Courier New"/>
+                <a:ea typeface="Courier New"/>
+                <a:cs typeface="Courier New"/>
+                <a:sym typeface="Courier New"/>
+              </a:rPr>
+              <a:t>//kết quả của biểu thức khớp với valueN</a:t>
+            </a:r>
+            <a:endParaRPr sz="1000">
+              <a:solidFill>
+                <a:srgbClr val="383A42"/>
+              </a:solidFill>
+              <a:highlight>
+                <a:srgbClr val="FAFAFA"/>
+              </a:highlight>
+              <a:latin typeface="Courier New"/>
+              <a:ea typeface="Courier New"/>
+              <a:cs typeface="Courier New"/>
+              <a:sym typeface="Courier New"/>
+            </a:endParaRPr>
+          </a:p>
+          <a:p>
+            <a:pPr marL="0" lvl="0" indent="0" algn="l" rtl="0">
+              <a:spcBef>
+                <a:spcPts val="0"/>
+              </a:spcBef>
+              <a:spcAft>
+                <a:spcPts val="0"/>
+              </a:spcAft>
+              <a:buNone/>
+            </a:pPr>
+            <a:r>
+              <a:rPr lang="en" sz="1000">
+                <a:solidFill>
+                  <a:srgbClr val="383A42"/>
+                </a:solidFill>
+                <a:highlight>
+                  <a:srgbClr val="FAFAFA"/>
+                </a:highlight>
+                <a:latin typeface="Courier New"/>
+                <a:ea typeface="Courier New"/>
+                <a:cs typeface="Courier New"/>
+                <a:sym typeface="Courier New"/>
+              </a:rPr>
+              <a:t>    [</a:t>
+            </a:r>
+            <a:r>
+              <a:rPr lang="en" sz="1000">
+                <a:solidFill>
+                  <a:srgbClr val="A626A4"/>
+                </a:solidFill>
+                <a:highlight>
+                  <a:srgbClr val="FAFAFA"/>
+                </a:highlight>
+                <a:latin typeface="Courier New"/>
+                <a:ea typeface="Courier New"/>
+                <a:cs typeface="Courier New"/>
+                <a:sym typeface="Courier New"/>
+              </a:rPr>
+              <a:t>break</a:t>
+            </a:r>
+            <a:r>
+              <a:rPr lang="en" sz="1000">
+                <a:solidFill>
+                  <a:srgbClr val="383A42"/>
+                </a:solidFill>
+                <a:highlight>
+                  <a:srgbClr val="FAFAFA"/>
+                </a:highlight>
+                <a:latin typeface="Courier New"/>
+                <a:ea typeface="Courier New"/>
+                <a:cs typeface="Courier New"/>
+                <a:sym typeface="Courier New"/>
+              </a:rPr>
+              <a:t>;]</a:t>
+            </a:r>
+            <a:endParaRPr sz="1000">
+              <a:solidFill>
+                <a:srgbClr val="383A42"/>
+              </a:solidFill>
+              <a:highlight>
+                <a:srgbClr val="FAFAFA"/>
+              </a:highlight>
+              <a:latin typeface="Courier New"/>
+              <a:ea typeface="Courier New"/>
+              <a:cs typeface="Courier New"/>
+              <a:sym typeface="Courier New"/>
+            </a:endParaRPr>
+          </a:p>
+          <a:p>
+            <a:pPr marL="0" lvl="0" indent="0" algn="l" rtl="0">
+              <a:spcBef>
+                <a:spcPts val="0"/>
+              </a:spcBef>
+              <a:spcAft>
+                <a:spcPts val="0"/>
+              </a:spcAft>
+              <a:buNone/>
+            </a:pPr>
+            <a:r>
+              <a:rPr lang="en" sz="1000">
+                <a:solidFill>
+                  <a:srgbClr val="383A42"/>
+                </a:solidFill>
+                <a:highlight>
+                  <a:srgbClr val="FAFAFA"/>
+                </a:highlight>
+                <a:latin typeface="Courier New"/>
+                <a:ea typeface="Courier New"/>
+                <a:cs typeface="Courier New"/>
+                <a:sym typeface="Courier New"/>
+              </a:rPr>
+              <a:t>  [</a:t>
+            </a:r>
+            <a:r>
+              <a:rPr lang="en" sz="1000">
+                <a:solidFill>
+                  <a:srgbClr val="A626A4"/>
+                </a:solidFill>
+                <a:highlight>
+                  <a:srgbClr val="FAFAFA"/>
+                </a:highlight>
+                <a:latin typeface="Courier New"/>
+                <a:ea typeface="Courier New"/>
+                <a:cs typeface="Courier New"/>
+                <a:sym typeface="Courier New"/>
+              </a:rPr>
+              <a:t>default</a:t>
+            </a:r>
+            <a:r>
+              <a:rPr lang="en" sz="1000">
+                <a:solidFill>
+                  <a:srgbClr val="383A42"/>
+                </a:solidFill>
+                <a:highlight>
+                  <a:srgbClr val="FAFAFA"/>
+                </a:highlight>
+                <a:latin typeface="Courier New"/>
+                <a:ea typeface="Courier New"/>
+                <a:cs typeface="Courier New"/>
+                <a:sym typeface="Courier New"/>
+              </a:rPr>
+              <a:t>:</a:t>
+            </a:r>
+            <a:endParaRPr sz="1000">
+              <a:solidFill>
+                <a:srgbClr val="383A42"/>
+              </a:solidFill>
+              <a:highlight>
+                <a:srgbClr val="FAFAFA"/>
+              </a:highlight>
+              <a:latin typeface="Courier New"/>
+              <a:ea typeface="Courier New"/>
+              <a:cs typeface="Courier New"/>
+              <a:sym typeface="Courier New"/>
+            </a:endParaRPr>
+          </a:p>
+          <a:p>
+            <a:pPr marL="0" lvl="0" indent="0" algn="l" rtl="0">
+              <a:spcBef>
+                <a:spcPts val="0"/>
+              </a:spcBef>
+              <a:spcAft>
+                <a:spcPts val="0"/>
+              </a:spcAft>
+              <a:buNone/>
+            </a:pPr>
+            <a:r>
+              <a:rPr lang="en" sz="1000">
+                <a:solidFill>
+                  <a:srgbClr val="383A42"/>
+                </a:solidFill>
+                <a:highlight>
+                  <a:srgbClr val="FAFAFA"/>
+                </a:highlight>
+                <a:latin typeface="Courier New"/>
+                <a:ea typeface="Courier New"/>
+                <a:cs typeface="Courier New"/>
+                <a:sym typeface="Courier New"/>
+              </a:rPr>
+              <a:t>    </a:t>
+            </a:r>
+            <a:r>
+              <a:rPr lang="en" sz="1000" i="1">
+                <a:solidFill>
+                  <a:srgbClr val="A0A1A7"/>
+                </a:solidFill>
+                <a:highlight>
+                  <a:srgbClr val="FAFAFA"/>
+                </a:highlight>
+                <a:latin typeface="Courier New"/>
+                <a:ea typeface="Courier New"/>
+                <a:cs typeface="Courier New"/>
+                <a:sym typeface="Courier New"/>
+              </a:rPr>
+              <a:t>//Câu lệnh sẽ được thực thi khi</a:t>
+            </a:r>
+            <a:endParaRPr sz="1000">
+              <a:solidFill>
+                <a:srgbClr val="383A42"/>
+              </a:solidFill>
+              <a:highlight>
+                <a:srgbClr val="FAFAFA"/>
+              </a:highlight>
+              <a:latin typeface="Courier New"/>
+              <a:ea typeface="Courier New"/>
+              <a:cs typeface="Courier New"/>
+              <a:sym typeface="Courier New"/>
+            </a:endParaRPr>
+          </a:p>
+          <a:p>
+            <a:pPr marL="0" lvl="0" indent="0" algn="l" rtl="0">
+              <a:spcBef>
+                <a:spcPts val="0"/>
+              </a:spcBef>
+              <a:spcAft>
+                <a:spcPts val="0"/>
+              </a:spcAft>
+              <a:buNone/>
+            </a:pPr>
+            <a:r>
+              <a:rPr lang="en" sz="1000">
+                <a:solidFill>
+                  <a:srgbClr val="383A42"/>
+                </a:solidFill>
+                <a:highlight>
+                  <a:srgbClr val="FAFAFA"/>
+                </a:highlight>
+                <a:latin typeface="Courier New"/>
+                <a:ea typeface="Courier New"/>
+                <a:cs typeface="Courier New"/>
+                <a:sym typeface="Courier New"/>
+              </a:rPr>
+              <a:t>    </a:t>
+            </a:r>
+            <a:r>
+              <a:rPr lang="en" sz="1000" i="1">
+                <a:solidFill>
+                  <a:srgbClr val="A0A1A7"/>
+                </a:solidFill>
+                <a:highlight>
+                  <a:srgbClr val="FAFAFA"/>
+                </a:highlight>
+                <a:latin typeface="Courier New"/>
+                <a:ea typeface="Courier New"/>
+                <a:cs typeface="Courier New"/>
+                <a:sym typeface="Courier New"/>
+              </a:rPr>
+              <a:t>//không có giá trị nào khớp với giá trị của biểu thức</a:t>
+            </a:r>
+            <a:endParaRPr sz="1000">
+              <a:solidFill>
+                <a:srgbClr val="383A42"/>
+              </a:solidFill>
+              <a:highlight>
+                <a:srgbClr val="FAFAFA"/>
+              </a:highlight>
+              <a:latin typeface="Courier New"/>
+              <a:ea typeface="Courier New"/>
+              <a:cs typeface="Courier New"/>
+              <a:sym typeface="Courier New"/>
+            </a:endParaRPr>
+          </a:p>
+          <a:p>
+            <a:pPr marL="0" lvl="0" indent="0" algn="l" rtl="0">
+              <a:spcBef>
+                <a:spcPts val="0"/>
+              </a:spcBef>
+              <a:spcAft>
+                <a:spcPts val="0"/>
+              </a:spcAft>
+              <a:buNone/>
+            </a:pPr>
+            <a:r>
+              <a:rPr lang="en" sz="1000">
+                <a:solidFill>
+                  <a:srgbClr val="383A42"/>
+                </a:solidFill>
+                <a:highlight>
+                  <a:srgbClr val="FAFAFA"/>
+                </a:highlight>
+                <a:latin typeface="Courier New"/>
+                <a:ea typeface="Courier New"/>
+                <a:cs typeface="Courier New"/>
+                <a:sym typeface="Courier New"/>
+              </a:rPr>
+              <a:t>    [</a:t>
+            </a:r>
+            <a:r>
+              <a:rPr lang="en" sz="1000">
+                <a:solidFill>
+                  <a:srgbClr val="A626A4"/>
+                </a:solidFill>
+                <a:highlight>
+                  <a:srgbClr val="FAFAFA"/>
+                </a:highlight>
+                <a:latin typeface="Courier New"/>
+                <a:ea typeface="Courier New"/>
+                <a:cs typeface="Courier New"/>
+                <a:sym typeface="Courier New"/>
+              </a:rPr>
+              <a:t>break</a:t>
+            </a:r>
+            <a:r>
+              <a:rPr lang="en" sz="1000">
+                <a:solidFill>
+                  <a:srgbClr val="383A42"/>
+                </a:solidFill>
+                <a:highlight>
+                  <a:srgbClr val="FAFAFA"/>
+                </a:highlight>
+                <a:latin typeface="Courier New"/>
+                <a:ea typeface="Courier New"/>
+                <a:cs typeface="Courier New"/>
+                <a:sym typeface="Courier New"/>
+              </a:rPr>
+              <a:t>;]]</a:t>
+            </a:r>
+            <a:endParaRPr sz="1000">
+              <a:solidFill>
+                <a:srgbClr val="383A42"/>
+              </a:solidFill>
+              <a:highlight>
+                <a:srgbClr val="FAFAFA"/>
+              </a:highlight>
+              <a:latin typeface="Courier New"/>
+              <a:ea typeface="Courier New"/>
+              <a:cs typeface="Courier New"/>
+              <a:sym typeface="Courier New"/>
+            </a:endParaRPr>
+          </a:p>
+          <a:p>
+            <a:pPr marL="0" lvl="0" indent="0" algn="l" rtl="0">
+              <a:spcBef>
+                <a:spcPts val="0"/>
+              </a:spcBef>
+              <a:spcAft>
+                <a:spcPts val="0"/>
+              </a:spcAft>
+              <a:buNone/>
+            </a:pPr>
+            <a:endParaRPr sz="1000">
+              <a:solidFill>
+                <a:srgbClr val="383A42"/>
+              </a:solidFill>
+              <a:highlight>
+                <a:srgbClr val="FAFAFA"/>
+              </a:highlight>
+              <a:latin typeface="Courier New"/>
+              <a:ea typeface="Courier New"/>
+              <a:cs typeface="Courier New"/>
+              <a:sym typeface="Courier New"/>
+            </a:endParaRPr>
+          </a:p>
+          <a:p>
+            <a:pPr marL="63500" marR="63500" lvl="0" indent="0" algn="l" rtl="0">
+              <a:lnSpc>
+                <a:spcPct val="115000"/>
+              </a:lnSpc>
+              <a:spcBef>
+                <a:spcPts val="0"/>
+              </a:spcBef>
+              <a:spcAft>
+                <a:spcPts val="0"/>
+              </a:spcAft>
+              <a:buClr>
+                <a:schemeClr val="dk1"/>
+              </a:buClr>
+              <a:buSzPts val="1100"/>
+              <a:buFont typeface="Arial"/>
+              <a:buNone/>
+            </a:pPr>
+            <a:r>
+              <a:rPr lang="en" sz="1000">
+                <a:solidFill>
+                  <a:srgbClr val="383A42"/>
+                </a:solidFill>
+                <a:highlight>
+                  <a:srgbClr val="FAFAFA"/>
+                </a:highlight>
+                <a:latin typeface="Courier New"/>
+                <a:ea typeface="Courier New"/>
+                <a:cs typeface="Courier New"/>
+                <a:sym typeface="Courier New"/>
+              </a:rPr>
+              <a:t>}</a:t>
+            </a:r>
+            <a:endParaRPr sz="1000">
+              <a:solidFill>
+                <a:srgbClr val="383A42"/>
+              </a:solidFill>
+              <a:highlight>
+                <a:srgbClr val="FAFAFA"/>
+              </a:highlight>
+              <a:latin typeface="Courier New"/>
+              <a:ea typeface="Courier New"/>
+              <a:cs typeface="Courier New"/>
+              <a:sym typeface="Courier New"/>
+            </a:endParaRPr>
+          </a:p>
+          <a:p>
+            <a:pPr marL="0" lvl="0" indent="0" algn="l" rtl="0">
+              <a:spcBef>
+                <a:spcPts val="0"/>
+              </a:spcBef>
+              <a:spcAft>
+                <a:spcPts val="0"/>
+              </a:spcAft>
+              <a:buNone/>
+            </a:pPr>
+            <a:endParaRPr/>
+          </a:p>
+        </p:txBody>
+      </p:sp>
+    </p:spTree>
+    <p:extLst>
+      <p:ext uri="{BB962C8B-B14F-4D97-AF65-F5344CB8AC3E}">
+        <p14:creationId xmlns:p14="http://schemas.microsoft.com/office/powerpoint/2010/main" val="3316120301"/>
+      </p:ext>
+    </p:extLst>
+  </p:cSld>
+  <p:clrMapOvr>
+    <a:masterClrMapping/>
+  </p:clrMapOvr>
+</p:notes>
+</file>
+
+<file path=ppt/notesSlides/notesSlide41.xml><?xml version="1.0" encoding="utf-8"?>
+<p:notes xmlns:a="http://schemas.openxmlformats.org/drawingml/2006/main" xmlns:r="http://schemas.openxmlformats.org/officeDocument/2006/relationships" xmlns:p="http://schemas.openxmlformats.org/presentationml/2006/main" showMasterSp="0" showMasterPhAnim="0">
+  <p:cSld>
+    <p:spTree>
+      <p:nvGrpSpPr>
+        <p:cNvPr id="1" name="Shape 171"/>
+        <p:cNvGrpSpPr/>
+        <p:nvPr/>
+      </p:nvGrpSpPr>
+      <p:grpSpPr>
+        <a:xfrm>
+          <a:off x="0" y="0"/>
+          <a:ext cx="0" cy="0"/>
+          <a:chOff x="0" y="0"/>
+          <a:chExt cx="0" cy="0"/>
+        </a:xfrm>
+      </p:grpSpPr>
+      <p:sp>
+        <p:nvSpPr>
+          <p:cNvPr id="172" name="Google Shape;172;g1658efc2617_0_130:notes"/>
+          <p:cNvSpPr>
+            <a:spLocks noGrp="1" noRot="1" noChangeAspect="1"/>
+          </p:cNvSpPr>
+          <p:nvPr>
+            <p:ph type="sldImg" idx="2"/>
+          </p:nvPr>
+        </p:nvSpPr>
+        <p:spPr>
+          <a:xfrm>
+            <a:off x="381000" y="685800"/>
+            <a:ext cx="6096000" cy="3429000"/>
+          </a:xfrm>
+          <a:custGeom>
+            <a:avLst/>
+            <a:gdLst/>
+            <a:ahLst/>
+            <a:cxnLst/>
+            <a:rect l="l" t="t" r="r" b="b"/>
+            <a:pathLst>
+              <a:path w="120000" h="120000" extrusionOk="0">
+                <a:moveTo>
+                  <a:pt x="0" y="0"/>
+                </a:moveTo>
+                <a:lnTo>
+                  <a:pt x="120000" y="0"/>
+                </a:lnTo>
+                <a:lnTo>
+                  <a:pt x="120000" y="120000"/>
+                </a:lnTo>
+                <a:lnTo>
+                  <a:pt x="0" y="120000"/>
+                </a:lnTo>
+                <a:close/>
+              </a:path>
+            </a:pathLst>
+          </a:custGeom>
+        </p:spPr>
+      </p:sp>
+      <p:sp>
+        <p:nvSpPr>
+          <p:cNvPr id="173" name="Google Shape;173;g1658efc2617_0_130:notes"/>
+          <p:cNvSpPr txBox="1">
+            <a:spLocks noGrp="1"/>
+          </p:cNvSpPr>
+          <p:nvPr>
+            <p:ph type="body" idx="1"/>
+          </p:nvPr>
+        </p:nvSpPr>
+        <p:spPr>
+          <a:xfrm>
+            <a:off x="685800" y="4343400"/>
+            <a:ext cx="5486400" cy="4114800"/>
+          </a:xfrm>
+          <a:prstGeom prst="rect">
+            <a:avLst/>
+          </a:prstGeom>
+        </p:spPr>
+        <p:txBody>
+          <a:bodyPr spcFirstLastPara="1" wrap="square" lIns="91425" tIns="91425" rIns="91425" bIns="91425" anchor="t" anchorCtr="0">
+            <a:noAutofit/>
+          </a:bodyPr>
+          <a:lstStyle/>
+          <a:p>
+            <a:pPr marL="0" lvl="0" indent="0" algn="l" rtl="0">
+              <a:lnSpc>
+                <a:spcPct val="115000"/>
+              </a:lnSpc>
+              <a:spcBef>
+                <a:spcPts val="0"/>
+              </a:spcBef>
+              <a:spcAft>
+                <a:spcPts val="0"/>
+              </a:spcAft>
+              <a:buClr>
+                <a:schemeClr val="dk1"/>
+              </a:buClr>
+              <a:buSzPts val="1100"/>
+              <a:buFont typeface="Arial"/>
+              <a:buNone/>
+            </a:pPr>
+            <a:r>
+              <a:rPr lang="en" sz="1150">
+                <a:solidFill>
+                  <a:srgbClr val="212529"/>
+                </a:solidFill>
+                <a:latin typeface="Roboto"/>
+                <a:ea typeface="Roboto"/>
+                <a:cs typeface="Roboto"/>
+                <a:sym typeface="Roboto"/>
+              </a:rPr>
+              <a:t>Cú pháp</a:t>
+            </a:r>
+            <a:endParaRPr sz="1150">
+              <a:solidFill>
+                <a:srgbClr val="212529"/>
+              </a:solidFill>
+              <a:latin typeface="Roboto"/>
+              <a:ea typeface="Roboto"/>
+              <a:cs typeface="Roboto"/>
+              <a:sym typeface="Roboto"/>
+            </a:endParaRPr>
+          </a:p>
+          <a:p>
+            <a:pPr marL="0" lvl="0" indent="0" algn="l" rtl="0">
+              <a:spcBef>
+                <a:spcPts val="1200"/>
+              </a:spcBef>
+              <a:spcAft>
+                <a:spcPts val="0"/>
+              </a:spcAft>
+              <a:buNone/>
+            </a:pPr>
+            <a:r>
+              <a:rPr lang="en" sz="1000">
+                <a:solidFill>
+                  <a:srgbClr val="A626A4"/>
+                </a:solidFill>
+                <a:highlight>
+                  <a:srgbClr val="FAFAFA"/>
+                </a:highlight>
+                <a:latin typeface="Courier New"/>
+                <a:ea typeface="Courier New"/>
+                <a:cs typeface="Courier New"/>
+                <a:sym typeface="Courier New"/>
+              </a:rPr>
+              <a:t>switch</a:t>
+            </a:r>
+            <a:r>
+              <a:rPr lang="en" sz="1000">
+                <a:solidFill>
+                  <a:srgbClr val="383A42"/>
+                </a:solidFill>
+                <a:highlight>
+                  <a:srgbClr val="FAFAFA"/>
+                </a:highlight>
+                <a:latin typeface="Courier New"/>
+                <a:ea typeface="Courier New"/>
+                <a:cs typeface="Courier New"/>
+                <a:sym typeface="Courier New"/>
+              </a:rPr>
+              <a:t> (biểu thứ</a:t>
+            </a:r>
+            <a:r>
+              <a:rPr lang="en" sz="1000">
+                <a:solidFill>
+                  <a:srgbClr val="C18401"/>
+                </a:solidFill>
+                <a:highlight>
+                  <a:srgbClr val="FAFAFA"/>
+                </a:highlight>
+                <a:latin typeface="Courier New"/>
+                <a:ea typeface="Courier New"/>
+                <a:cs typeface="Courier New"/>
+                <a:sym typeface="Courier New"/>
+              </a:rPr>
+              <a:t>c</a:t>
+            </a:r>
+            <a:r>
+              <a:rPr lang="en" sz="1000">
+                <a:solidFill>
+                  <a:srgbClr val="383A42"/>
+                </a:solidFill>
+                <a:highlight>
+                  <a:srgbClr val="FAFAFA"/>
+                </a:highlight>
+                <a:latin typeface="Courier New"/>
+                <a:ea typeface="Courier New"/>
+                <a:cs typeface="Courier New"/>
+                <a:sym typeface="Courier New"/>
+              </a:rPr>
+              <a:t>) {</a:t>
+            </a:r>
+            <a:endParaRPr sz="1000">
+              <a:solidFill>
+                <a:srgbClr val="383A42"/>
+              </a:solidFill>
+              <a:highlight>
+                <a:srgbClr val="FAFAFA"/>
+              </a:highlight>
+              <a:latin typeface="Courier New"/>
+              <a:ea typeface="Courier New"/>
+              <a:cs typeface="Courier New"/>
+              <a:sym typeface="Courier New"/>
+            </a:endParaRPr>
+          </a:p>
+          <a:p>
+            <a:pPr marL="0" lvl="0" indent="0" algn="l" rtl="0">
+              <a:spcBef>
+                <a:spcPts val="0"/>
+              </a:spcBef>
+              <a:spcAft>
+                <a:spcPts val="0"/>
+              </a:spcAft>
+              <a:buNone/>
+            </a:pPr>
+            <a:r>
+              <a:rPr lang="en" sz="1000">
+                <a:solidFill>
+                  <a:srgbClr val="383A42"/>
+                </a:solidFill>
+                <a:highlight>
+                  <a:srgbClr val="FAFAFA"/>
+                </a:highlight>
+                <a:latin typeface="Courier New"/>
+                <a:ea typeface="Courier New"/>
+                <a:cs typeface="Courier New"/>
+                <a:sym typeface="Courier New"/>
+              </a:rPr>
+              <a:t>  </a:t>
+            </a:r>
+            <a:r>
+              <a:rPr lang="en" sz="1000">
+                <a:solidFill>
+                  <a:srgbClr val="A626A4"/>
+                </a:solidFill>
+                <a:highlight>
+                  <a:srgbClr val="FAFAFA"/>
+                </a:highlight>
+                <a:latin typeface="Courier New"/>
+                <a:ea typeface="Courier New"/>
+                <a:cs typeface="Courier New"/>
+                <a:sym typeface="Courier New"/>
+              </a:rPr>
+              <a:t>case</a:t>
+            </a:r>
+            <a:r>
+              <a:rPr lang="en" sz="1000">
+                <a:solidFill>
+                  <a:srgbClr val="383A42"/>
+                </a:solidFill>
+                <a:highlight>
+                  <a:srgbClr val="FAFAFA"/>
+                </a:highlight>
+                <a:latin typeface="Courier New"/>
+                <a:ea typeface="Courier New"/>
+                <a:cs typeface="Courier New"/>
+                <a:sym typeface="Courier New"/>
+              </a:rPr>
+              <a:t> value1:</a:t>
+            </a:r>
+            <a:endParaRPr sz="1000">
+              <a:solidFill>
+                <a:srgbClr val="383A42"/>
+              </a:solidFill>
+              <a:highlight>
+                <a:srgbClr val="FAFAFA"/>
+              </a:highlight>
+              <a:latin typeface="Courier New"/>
+              <a:ea typeface="Courier New"/>
+              <a:cs typeface="Courier New"/>
+              <a:sym typeface="Courier New"/>
+            </a:endParaRPr>
+          </a:p>
+          <a:p>
+            <a:pPr marL="0" lvl="0" indent="0" algn="l" rtl="0">
+              <a:spcBef>
+                <a:spcPts val="0"/>
+              </a:spcBef>
+              <a:spcAft>
+                <a:spcPts val="0"/>
+              </a:spcAft>
+              <a:buNone/>
+            </a:pPr>
+            <a:r>
+              <a:rPr lang="en" sz="1000">
+                <a:solidFill>
+                  <a:srgbClr val="383A42"/>
+                </a:solidFill>
+                <a:highlight>
+                  <a:srgbClr val="FAFAFA"/>
+                </a:highlight>
+                <a:latin typeface="Courier New"/>
+                <a:ea typeface="Courier New"/>
+                <a:cs typeface="Courier New"/>
+                <a:sym typeface="Courier New"/>
+              </a:rPr>
+              <a:t>    </a:t>
+            </a:r>
+            <a:r>
+              <a:rPr lang="en" sz="1000" i="1">
+                <a:solidFill>
+                  <a:srgbClr val="A0A1A7"/>
+                </a:solidFill>
+                <a:highlight>
+                  <a:srgbClr val="FAFAFA"/>
+                </a:highlight>
+                <a:latin typeface="Courier New"/>
+                <a:ea typeface="Courier New"/>
+                <a:cs typeface="Courier New"/>
+                <a:sym typeface="Courier New"/>
+              </a:rPr>
+              <a:t>//Câu lệnh sẽ được thực thi khi</a:t>
+            </a:r>
+            <a:endParaRPr sz="1000">
+              <a:solidFill>
+                <a:srgbClr val="383A42"/>
+              </a:solidFill>
+              <a:highlight>
+                <a:srgbClr val="FAFAFA"/>
+              </a:highlight>
+              <a:latin typeface="Courier New"/>
+              <a:ea typeface="Courier New"/>
+              <a:cs typeface="Courier New"/>
+              <a:sym typeface="Courier New"/>
+            </a:endParaRPr>
+          </a:p>
+          <a:p>
+            <a:pPr marL="0" lvl="0" indent="0" algn="l" rtl="0">
+              <a:spcBef>
+                <a:spcPts val="0"/>
+              </a:spcBef>
+              <a:spcAft>
+                <a:spcPts val="0"/>
+              </a:spcAft>
+              <a:buNone/>
+            </a:pPr>
+            <a:r>
+              <a:rPr lang="en" sz="1000">
+                <a:solidFill>
+                  <a:srgbClr val="383A42"/>
+                </a:solidFill>
+                <a:highlight>
+                  <a:srgbClr val="FAFAFA"/>
+                </a:highlight>
+                <a:latin typeface="Courier New"/>
+                <a:ea typeface="Courier New"/>
+                <a:cs typeface="Courier New"/>
+                <a:sym typeface="Courier New"/>
+              </a:rPr>
+              <a:t>    </a:t>
+            </a:r>
+            <a:r>
+              <a:rPr lang="en" sz="1000" i="1">
+                <a:solidFill>
+                  <a:srgbClr val="A0A1A7"/>
+                </a:solidFill>
+                <a:highlight>
+                  <a:srgbClr val="FAFAFA"/>
+                </a:highlight>
+                <a:latin typeface="Courier New"/>
+                <a:ea typeface="Courier New"/>
+                <a:cs typeface="Courier New"/>
+                <a:sym typeface="Courier New"/>
+              </a:rPr>
+              <a:t>//kết quả của biểu thức khớp với value1</a:t>
+            </a:r>
+            <a:endParaRPr sz="1000">
+              <a:solidFill>
+                <a:srgbClr val="383A42"/>
+              </a:solidFill>
+              <a:highlight>
+                <a:srgbClr val="FAFAFA"/>
+              </a:highlight>
+              <a:latin typeface="Courier New"/>
+              <a:ea typeface="Courier New"/>
+              <a:cs typeface="Courier New"/>
+              <a:sym typeface="Courier New"/>
+            </a:endParaRPr>
+          </a:p>
+          <a:p>
+            <a:pPr marL="0" lvl="0" indent="0" algn="l" rtl="0">
+              <a:spcBef>
+                <a:spcPts val="0"/>
+              </a:spcBef>
+              <a:spcAft>
+                <a:spcPts val="0"/>
+              </a:spcAft>
+              <a:buNone/>
+            </a:pPr>
+            <a:r>
+              <a:rPr lang="en" sz="1000">
+                <a:solidFill>
+                  <a:srgbClr val="383A42"/>
+                </a:solidFill>
+                <a:highlight>
+                  <a:srgbClr val="FAFAFA"/>
+                </a:highlight>
+                <a:latin typeface="Courier New"/>
+                <a:ea typeface="Courier New"/>
+                <a:cs typeface="Courier New"/>
+                <a:sym typeface="Courier New"/>
+              </a:rPr>
+              <a:t>    [</a:t>
+            </a:r>
+            <a:r>
+              <a:rPr lang="en" sz="1000">
+                <a:solidFill>
+                  <a:srgbClr val="A626A4"/>
+                </a:solidFill>
+                <a:highlight>
+                  <a:srgbClr val="FAFAFA"/>
+                </a:highlight>
+                <a:latin typeface="Courier New"/>
+                <a:ea typeface="Courier New"/>
+                <a:cs typeface="Courier New"/>
+                <a:sym typeface="Courier New"/>
+              </a:rPr>
+              <a:t>break</a:t>
+            </a:r>
+            <a:r>
+              <a:rPr lang="en" sz="1000">
+                <a:solidFill>
+                  <a:srgbClr val="383A42"/>
+                </a:solidFill>
+                <a:highlight>
+                  <a:srgbClr val="FAFAFA"/>
+                </a:highlight>
+                <a:latin typeface="Courier New"/>
+                <a:ea typeface="Courier New"/>
+                <a:cs typeface="Courier New"/>
+                <a:sym typeface="Courier New"/>
+              </a:rPr>
+              <a:t>;]</a:t>
+            </a:r>
+            <a:endParaRPr sz="1000">
+              <a:solidFill>
+                <a:srgbClr val="383A42"/>
+              </a:solidFill>
+              <a:highlight>
+                <a:srgbClr val="FAFAFA"/>
+              </a:highlight>
+              <a:latin typeface="Courier New"/>
+              <a:ea typeface="Courier New"/>
+              <a:cs typeface="Courier New"/>
+              <a:sym typeface="Courier New"/>
+            </a:endParaRPr>
+          </a:p>
+          <a:p>
+            <a:pPr marL="0" lvl="0" indent="0" algn="l" rtl="0">
+              <a:spcBef>
+                <a:spcPts val="0"/>
+              </a:spcBef>
+              <a:spcAft>
+                <a:spcPts val="0"/>
+              </a:spcAft>
+              <a:buNone/>
+            </a:pPr>
+            <a:r>
+              <a:rPr lang="en" sz="1000">
+                <a:solidFill>
+                  <a:srgbClr val="383A42"/>
+                </a:solidFill>
+                <a:highlight>
+                  <a:srgbClr val="FAFAFA"/>
+                </a:highlight>
+                <a:latin typeface="Courier New"/>
+                <a:ea typeface="Courier New"/>
+                <a:cs typeface="Courier New"/>
+                <a:sym typeface="Courier New"/>
+              </a:rPr>
+              <a:t>  </a:t>
+            </a:r>
+            <a:r>
+              <a:rPr lang="en" sz="1000">
+                <a:solidFill>
+                  <a:srgbClr val="A626A4"/>
+                </a:solidFill>
+                <a:highlight>
+                  <a:srgbClr val="FAFAFA"/>
+                </a:highlight>
+                <a:latin typeface="Courier New"/>
+                <a:ea typeface="Courier New"/>
+                <a:cs typeface="Courier New"/>
+                <a:sym typeface="Courier New"/>
+              </a:rPr>
+              <a:t>case</a:t>
+            </a:r>
+            <a:r>
+              <a:rPr lang="en" sz="1000">
+                <a:solidFill>
+                  <a:srgbClr val="383A42"/>
+                </a:solidFill>
+                <a:highlight>
+                  <a:srgbClr val="FAFAFA"/>
+                </a:highlight>
+                <a:latin typeface="Courier New"/>
+                <a:ea typeface="Courier New"/>
+                <a:cs typeface="Courier New"/>
+                <a:sym typeface="Courier New"/>
+              </a:rPr>
+              <a:t> value2:</a:t>
+            </a:r>
+            <a:endParaRPr sz="1000">
+              <a:solidFill>
+                <a:srgbClr val="383A42"/>
+              </a:solidFill>
+              <a:highlight>
+                <a:srgbClr val="FAFAFA"/>
+              </a:highlight>
+              <a:latin typeface="Courier New"/>
+              <a:ea typeface="Courier New"/>
+              <a:cs typeface="Courier New"/>
+              <a:sym typeface="Courier New"/>
+            </a:endParaRPr>
+          </a:p>
+          <a:p>
+            <a:pPr marL="0" lvl="0" indent="0" algn="l" rtl="0">
+              <a:spcBef>
+                <a:spcPts val="0"/>
+              </a:spcBef>
+              <a:spcAft>
+                <a:spcPts val="0"/>
+              </a:spcAft>
+              <a:buNone/>
+            </a:pPr>
+            <a:r>
+              <a:rPr lang="en" sz="1000">
+                <a:solidFill>
+                  <a:srgbClr val="383A42"/>
+                </a:solidFill>
+                <a:highlight>
+                  <a:srgbClr val="FAFAFA"/>
+                </a:highlight>
+                <a:latin typeface="Courier New"/>
+                <a:ea typeface="Courier New"/>
+                <a:cs typeface="Courier New"/>
+                <a:sym typeface="Courier New"/>
+              </a:rPr>
+              <a:t>    </a:t>
+            </a:r>
+            <a:r>
+              <a:rPr lang="en" sz="1000" i="1">
+                <a:solidFill>
+                  <a:srgbClr val="A0A1A7"/>
+                </a:solidFill>
+                <a:highlight>
+                  <a:srgbClr val="FAFAFA"/>
+                </a:highlight>
+                <a:latin typeface="Courier New"/>
+                <a:ea typeface="Courier New"/>
+                <a:cs typeface="Courier New"/>
+                <a:sym typeface="Courier New"/>
+              </a:rPr>
+              <a:t>//Câu lệnh sẽ được thực thi khi</a:t>
+            </a:r>
+            <a:endParaRPr sz="1000">
+              <a:solidFill>
+                <a:srgbClr val="383A42"/>
+              </a:solidFill>
+              <a:highlight>
+                <a:srgbClr val="FAFAFA"/>
+              </a:highlight>
+              <a:latin typeface="Courier New"/>
+              <a:ea typeface="Courier New"/>
+              <a:cs typeface="Courier New"/>
+              <a:sym typeface="Courier New"/>
+            </a:endParaRPr>
+          </a:p>
+          <a:p>
+            <a:pPr marL="0" lvl="0" indent="0" algn="l" rtl="0">
+              <a:spcBef>
+                <a:spcPts val="0"/>
+              </a:spcBef>
+              <a:spcAft>
+                <a:spcPts val="0"/>
+              </a:spcAft>
+              <a:buNone/>
+            </a:pPr>
+            <a:r>
+              <a:rPr lang="en" sz="1000">
+                <a:solidFill>
+                  <a:srgbClr val="383A42"/>
+                </a:solidFill>
+                <a:highlight>
+                  <a:srgbClr val="FAFAFA"/>
+                </a:highlight>
+                <a:latin typeface="Courier New"/>
+                <a:ea typeface="Courier New"/>
+                <a:cs typeface="Courier New"/>
+                <a:sym typeface="Courier New"/>
+              </a:rPr>
+              <a:t>    </a:t>
+            </a:r>
+            <a:r>
+              <a:rPr lang="en" sz="1000" i="1">
+                <a:solidFill>
+                  <a:srgbClr val="A0A1A7"/>
+                </a:solidFill>
+                <a:highlight>
+                  <a:srgbClr val="FAFAFA"/>
+                </a:highlight>
+                <a:latin typeface="Courier New"/>
+                <a:ea typeface="Courier New"/>
+                <a:cs typeface="Courier New"/>
+                <a:sym typeface="Courier New"/>
+              </a:rPr>
+              <a:t>//kết quả của biểu thức khớp với value2</a:t>
+            </a:r>
+            <a:endParaRPr sz="1000">
+              <a:solidFill>
+                <a:srgbClr val="383A42"/>
+              </a:solidFill>
+              <a:highlight>
+                <a:srgbClr val="FAFAFA"/>
+              </a:highlight>
+              <a:latin typeface="Courier New"/>
+              <a:ea typeface="Courier New"/>
+              <a:cs typeface="Courier New"/>
+              <a:sym typeface="Courier New"/>
+            </a:endParaRPr>
+          </a:p>
+          <a:p>
+            <a:pPr marL="0" lvl="0" indent="0" algn="l" rtl="0">
+              <a:spcBef>
+                <a:spcPts val="0"/>
+              </a:spcBef>
+              <a:spcAft>
+                <a:spcPts val="0"/>
+              </a:spcAft>
+              <a:buNone/>
+            </a:pPr>
+            <a:endParaRPr sz="1000">
+              <a:solidFill>
+                <a:srgbClr val="383A42"/>
+              </a:solidFill>
+              <a:highlight>
+                <a:srgbClr val="FAFAFA"/>
+              </a:highlight>
+              <a:latin typeface="Courier New"/>
+              <a:ea typeface="Courier New"/>
+              <a:cs typeface="Courier New"/>
+              <a:sym typeface="Courier New"/>
+            </a:endParaRPr>
+          </a:p>
+          <a:p>
+            <a:pPr marL="0" lvl="0" indent="0" algn="l" rtl="0">
+              <a:spcBef>
+                <a:spcPts val="0"/>
+              </a:spcBef>
+              <a:spcAft>
+                <a:spcPts val="0"/>
+              </a:spcAft>
+              <a:buNone/>
+            </a:pPr>
+            <a:r>
+              <a:rPr lang="en" sz="1000">
+                <a:solidFill>
+                  <a:srgbClr val="383A42"/>
+                </a:solidFill>
+                <a:highlight>
+                  <a:srgbClr val="FAFAFA"/>
+                </a:highlight>
+                <a:latin typeface="Courier New"/>
+                <a:ea typeface="Courier New"/>
+                <a:cs typeface="Courier New"/>
+                <a:sym typeface="Courier New"/>
+              </a:rPr>
+              <a:t>    [</a:t>
+            </a:r>
+            <a:r>
+              <a:rPr lang="en" sz="1000">
+                <a:solidFill>
+                  <a:srgbClr val="A626A4"/>
+                </a:solidFill>
+                <a:highlight>
+                  <a:srgbClr val="FAFAFA"/>
+                </a:highlight>
+                <a:latin typeface="Courier New"/>
+                <a:ea typeface="Courier New"/>
+                <a:cs typeface="Courier New"/>
+                <a:sym typeface="Courier New"/>
+              </a:rPr>
+              <a:t>break</a:t>
+            </a:r>
+            <a:r>
+              <a:rPr lang="en" sz="1000">
+                <a:solidFill>
+                  <a:srgbClr val="383A42"/>
+                </a:solidFill>
+                <a:highlight>
+                  <a:srgbClr val="FAFAFA"/>
+                </a:highlight>
+                <a:latin typeface="Courier New"/>
+                <a:ea typeface="Courier New"/>
+                <a:cs typeface="Courier New"/>
+                <a:sym typeface="Courier New"/>
+              </a:rPr>
+              <a:t>;]</a:t>
+            </a:r>
+            <a:endParaRPr sz="1000">
+              <a:solidFill>
+                <a:srgbClr val="383A42"/>
+              </a:solidFill>
+              <a:highlight>
+                <a:srgbClr val="FAFAFA"/>
+              </a:highlight>
+              <a:latin typeface="Courier New"/>
+              <a:ea typeface="Courier New"/>
+              <a:cs typeface="Courier New"/>
+              <a:sym typeface="Courier New"/>
+            </a:endParaRPr>
+          </a:p>
+          <a:p>
+            <a:pPr marL="0" lvl="0" indent="0" algn="l" rtl="0">
+              <a:spcBef>
+                <a:spcPts val="0"/>
+              </a:spcBef>
+              <a:spcAft>
+                <a:spcPts val="0"/>
+              </a:spcAft>
+              <a:buNone/>
+            </a:pPr>
+            <a:r>
+              <a:rPr lang="en" sz="1000">
+                <a:solidFill>
+                  <a:srgbClr val="383A42"/>
+                </a:solidFill>
+                <a:highlight>
+                  <a:srgbClr val="FAFAFA"/>
+                </a:highlight>
+                <a:latin typeface="Courier New"/>
+                <a:ea typeface="Courier New"/>
+                <a:cs typeface="Courier New"/>
+                <a:sym typeface="Courier New"/>
+              </a:rPr>
+              <a:t>  ...</a:t>
+            </a:r>
+            <a:endParaRPr sz="1000">
+              <a:solidFill>
+                <a:srgbClr val="383A42"/>
+              </a:solidFill>
+              <a:highlight>
+                <a:srgbClr val="FAFAFA"/>
+              </a:highlight>
+              <a:latin typeface="Courier New"/>
+              <a:ea typeface="Courier New"/>
+              <a:cs typeface="Courier New"/>
+              <a:sym typeface="Courier New"/>
+            </a:endParaRPr>
+          </a:p>
+          <a:p>
+            <a:pPr marL="0" lvl="0" indent="0" algn="l" rtl="0">
+              <a:spcBef>
+                <a:spcPts val="0"/>
+              </a:spcBef>
+              <a:spcAft>
+                <a:spcPts val="0"/>
+              </a:spcAft>
+              <a:buNone/>
+            </a:pPr>
+            <a:r>
+              <a:rPr lang="en" sz="1000">
+                <a:solidFill>
+                  <a:srgbClr val="383A42"/>
+                </a:solidFill>
+                <a:highlight>
+                  <a:srgbClr val="FAFAFA"/>
+                </a:highlight>
+                <a:latin typeface="Courier New"/>
+                <a:ea typeface="Courier New"/>
+                <a:cs typeface="Courier New"/>
+                <a:sym typeface="Courier New"/>
+              </a:rPr>
+              <a:t>  </a:t>
+            </a:r>
+            <a:r>
+              <a:rPr lang="en" sz="1000">
+                <a:solidFill>
+                  <a:srgbClr val="A626A4"/>
+                </a:solidFill>
+                <a:highlight>
+                  <a:srgbClr val="FAFAFA"/>
+                </a:highlight>
+                <a:latin typeface="Courier New"/>
+                <a:ea typeface="Courier New"/>
+                <a:cs typeface="Courier New"/>
+                <a:sym typeface="Courier New"/>
+              </a:rPr>
+              <a:t>case</a:t>
+            </a:r>
+            <a:r>
+              <a:rPr lang="en" sz="1000">
+                <a:solidFill>
+                  <a:srgbClr val="383A42"/>
+                </a:solidFill>
+                <a:highlight>
+                  <a:srgbClr val="FAFAFA"/>
+                </a:highlight>
+                <a:latin typeface="Courier New"/>
+                <a:ea typeface="Courier New"/>
+                <a:cs typeface="Courier New"/>
+                <a:sym typeface="Courier New"/>
+              </a:rPr>
+              <a:t> valueN:</a:t>
+            </a:r>
+            <a:endParaRPr sz="1000">
+              <a:solidFill>
+                <a:srgbClr val="383A42"/>
+              </a:solidFill>
+              <a:highlight>
+                <a:srgbClr val="FAFAFA"/>
+              </a:highlight>
+              <a:latin typeface="Courier New"/>
+              <a:ea typeface="Courier New"/>
+              <a:cs typeface="Courier New"/>
+              <a:sym typeface="Courier New"/>
+            </a:endParaRPr>
+          </a:p>
+          <a:p>
+            <a:pPr marL="0" lvl="0" indent="0" algn="l" rtl="0">
+              <a:spcBef>
+                <a:spcPts val="0"/>
+              </a:spcBef>
+              <a:spcAft>
+                <a:spcPts val="0"/>
+              </a:spcAft>
+              <a:buNone/>
+            </a:pPr>
+            <a:r>
+              <a:rPr lang="en" sz="1000">
+                <a:solidFill>
+                  <a:srgbClr val="383A42"/>
+                </a:solidFill>
+                <a:highlight>
+                  <a:srgbClr val="FAFAFA"/>
+                </a:highlight>
+                <a:latin typeface="Courier New"/>
+                <a:ea typeface="Courier New"/>
+                <a:cs typeface="Courier New"/>
+                <a:sym typeface="Courier New"/>
+              </a:rPr>
+              <a:t>    </a:t>
+            </a:r>
+            <a:r>
+              <a:rPr lang="en" sz="1000" i="1">
+                <a:solidFill>
+                  <a:srgbClr val="A0A1A7"/>
+                </a:solidFill>
+                <a:highlight>
+                  <a:srgbClr val="FAFAFA"/>
+                </a:highlight>
+                <a:latin typeface="Courier New"/>
+                <a:ea typeface="Courier New"/>
+                <a:cs typeface="Courier New"/>
+                <a:sym typeface="Courier New"/>
+              </a:rPr>
+              <a:t>//Câu lệnh sẽ được thực thi khi</a:t>
+            </a:r>
+            <a:endParaRPr sz="1000">
+              <a:solidFill>
+                <a:srgbClr val="383A42"/>
+              </a:solidFill>
+              <a:highlight>
+                <a:srgbClr val="FAFAFA"/>
+              </a:highlight>
+              <a:latin typeface="Courier New"/>
+              <a:ea typeface="Courier New"/>
+              <a:cs typeface="Courier New"/>
+              <a:sym typeface="Courier New"/>
+            </a:endParaRPr>
+          </a:p>
+          <a:p>
+            <a:pPr marL="0" lvl="0" indent="0" algn="l" rtl="0">
+              <a:spcBef>
+                <a:spcPts val="0"/>
+              </a:spcBef>
+              <a:spcAft>
+                <a:spcPts val="0"/>
+              </a:spcAft>
+              <a:buNone/>
+            </a:pPr>
+            <a:r>
+              <a:rPr lang="en" sz="1000">
+                <a:solidFill>
+                  <a:srgbClr val="383A42"/>
+                </a:solidFill>
+                <a:highlight>
+                  <a:srgbClr val="FAFAFA"/>
+                </a:highlight>
+                <a:latin typeface="Courier New"/>
+                <a:ea typeface="Courier New"/>
+                <a:cs typeface="Courier New"/>
+                <a:sym typeface="Courier New"/>
+              </a:rPr>
+              <a:t>    </a:t>
+            </a:r>
+            <a:r>
+              <a:rPr lang="en" sz="1000" i="1">
+                <a:solidFill>
+                  <a:srgbClr val="A0A1A7"/>
+                </a:solidFill>
+                <a:highlight>
+                  <a:srgbClr val="FAFAFA"/>
+                </a:highlight>
+                <a:latin typeface="Courier New"/>
+                <a:ea typeface="Courier New"/>
+                <a:cs typeface="Courier New"/>
+                <a:sym typeface="Courier New"/>
+              </a:rPr>
+              <a:t>//kết quả của biểu thức khớp với valueN</a:t>
+            </a:r>
+            <a:endParaRPr sz="1000">
+              <a:solidFill>
+                <a:srgbClr val="383A42"/>
+              </a:solidFill>
+              <a:highlight>
+                <a:srgbClr val="FAFAFA"/>
+              </a:highlight>
+              <a:latin typeface="Courier New"/>
+              <a:ea typeface="Courier New"/>
+              <a:cs typeface="Courier New"/>
+              <a:sym typeface="Courier New"/>
+            </a:endParaRPr>
+          </a:p>
+          <a:p>
+            <a:pPr marL="0" lvl="0" indent="0" algn="l" rtl="0">
+              <a:spcBef>
+                <a:spcPts val="0"/>
+              </a:spcBef>
+              <a:spcAft>
+                <a:spcPts val="0"/>
+              </a:spcAft>
+              <a:buNone/>
+            </a:pPr>
+            <a:r>
+              <a:rPr lang="en" sz="1000">
+                <a:solidFill>
+                  <a:srgbClr val="383A42"/>
+                </a:solidFill>
+                <a:highlight>
+                  <a:srgbClr val="FAFAFA"/>
+                </a:highlight>
+                <a:latin typeface="Courier New"/>
+                <a:ea typeface="Courier New"/>
+                <a:cs typeface="Courier New"/>
+                <a:sym typeface="Courier New"/>
+              </a:rPr>
+              <a:t>    [</a:t>
+            </a:r>
+            <a:r>
+              <a:rPr lang="en" sz="1000">
+                <a:solidFill>
+                  <a:srgbClr val="A626A4"/>
+                </a:solidFill>
+                <a:highlight>
+                  <a:srgbClr val="FAFAFA"/>
+                </a:highlight>
+                <a:latin typeface="Courier New"/>
+                <a:ea typeface="Courier New"/>
+                <a:cs typeface="Courier New"/>
+                <a:sym typeface="Courier New"/>
+              </a:rPr>
+              <a:t>break</a:t>
+            </a:r>
+            <a:r>
+              <a:rPr lang="en" sz="1000">
+                <a:solidFill>
+                  <a:srgbClr val="383A42"/>
+                </a:solidFill>
+                <a:highlight>
+                  <a:srgbClr val="FAFAFA"/>
+                </a:highlight>
+                <a:latin typeface="Courier New"/>
+                <a:ea typeface="Courier New"/>
+                <a:cs typeface="Courier New"/>
+                <a:sym typeface="Courier New"/>
+              </a:rPr>
+              <a:t>;]</a:t>
+            </a:r>
+            <a:endParaRPr sz="1000">
+              <a:solidFill>
+                <a:srgbClr val="383A42"/>
+              </a:solidFill>
+              <a:highlight>
+                <a:srgbClr val="FAFAFA"/>
+              </a:highlight>
+              <a:latin typeface="Courier New"/>
+              <a:ea typeface="Courier New"/>
+              <a:cs typeface="Courier New"/>
+              <a:sym typeface="Courier New"/>
+            </a:endParaRPr>
+          </a:p>
+          <a:p>
+            <a:pPr marL="0" lvl="0" indent="0" algn="l" rtl="0">
+              <a:spcBef>
+                <a:spcPts val="0"/>
+              </a:spcBef>
+              <a:spcAft>
+                <a:spcPts val="0"/>
+              </a:spcAft>
+              <a:buNone/>
+            </a:pPr>
+            <a:r>
+              <a:rPr lang="en" sz="1000">
+                <a:solidFill>
+                  <a:srgbClr val="383A42"/>
+                </a:solidFill>
+                <a:highlight>
+                  <a:srgbClr val="FAFAFA"/>
+                </a:highlight>
+                <a:latin typeface="Courier New"/>
+                <a:ea typeface="Courier New"/>
+                <a:cs typeface="Courier New"/>
+                <a:sym typeface="Courier New"/>
+              </a:rPr>
+              <a:t>  [</a:t>
+            </a:r>
+            <a:r>
+              <a:rPr lang="en" sz="1000">
+                <a:solidFill>
+                  <a:srgbClr val="A626A4"/>
+                </a:solidFill>
+                <a:highlight>
+                  <a:srgbClr val="FAFAFA"/>
+                </a:highlight>
+                <a:latin typeface="Courier New"/>
+                <a:ea typeface="Courier New"/>
+                <a:cs typeface="Courier New"/>
+                <a:sym typeface="Courier New"/>
+              </a:rPr>
+              <a:t>default</a:t>
+            </a:r>
+            <a:r>
+              <a:rPr lang="en" sz="1000">
+                <a:solidFill>
+                  <a:srgbClr val="383A42"/>
+                </a:solidFill>
+                <a:highlight>
+                  <a:srgbClr val="FAFAFA"/>
+                </a:highlight>
+                <a:latin typeface="Courier New"/>
+                <a:ea typeface="Courier New"/>
+                <a:cs typeface="Courier New"/>
+                <a:sym typeface="Courier New"/>
+              </a:rPr>
+              <a:t>:</a:t>
+            </a:r>
+            <a:endParaRPr sz="1000">
+              <a:solidFill>
+                <a:srgbClr val="383A42"/>
+              </a:solidFill>
+              <a:highlight>
+                <a:srgbClr val="FAFAFA"/>
+              </a:highlight>
+              <a:latin typeface="Courier New"/>
+              <a:ea typeface="Courier New"/>
+              <a:cs typeface="Courier New"/>
+              <a:sym typeface="Courier New"/>
+            </a:endParaRPr>
+          </a:p>
+          <a:p>
+            <a:pPr marL="0" lvl="0" indent="0" algn="l" rtl="0">
+              <a:spcBef>
+                <a:spcPts val="0"/>
+              </a:spcBef>
+              <a:spcAft>
+                <a:spcPts val="0"/>
+              </a:spcAft>
+              <a:buNone/>
+            </a:pPr>
+            <a:r>
+              <a:rPr lang="en" sz="1000">
+                <a:solidFill>
+                  <a:srgbClr val="383A42"/>
+                </a:solidFill>
+                <a:highlight>
+                  <a:srgbClr val="FAFAFA"/>
+                </a:highlight>
+                <a:latin typeface="Courier New"/>
+                <a:ea typeface="Courier New"/>
+                <a:cs typeface="Courier New"/>
+                <a:sym typeface="Courier New"/>
+              </a:rPr>
+              <a:t>    </a:t>
+            </a:r>
+            <a:r>
+              <a:rPr lang="en" sz="1000" i="1">
+                <a:solidFill>
+                  <a:srgbClr val="A0A1A7"/>
+                </a:solidFill>
+                <a:highlight>
+                  <a:srgbClr val="FAFAFA"/>
+                </a:highlight>
+                <a:latin typeface="Courier New"/>
+                <a:ea typeface="Courier New"/>
+                <a:cs typeface="Courier New"/>
+                <a:sym typeface="Courier New"/>
+              </a:rPr>
+              <a:t>//Câu lệnh sẽ được thực thi khi</a:t>
+            </a:r>
+            <a:endParaRPr sz="1000">
+              <a:solidFill>
+                <a:srgbClr val="383A42"/>
+              </a:solidFill>
+              <a:highlight>
+                <a:srgbClr val="FAFAFA"/>
+              </a:highlight>
+              <a:latin typeface="Courier New"/>
+              <a:ea typeface="Courier New"/>
+              <a:cs typeface="Courier New"/>
+              <a:sym typeface="Courier New"/>
+            </a:endParaRPr>
+          </a:p>
+          <a:p>
+            <a:pPr marL="0" lvl="0" indent="0" algn="l" rtl="0">
+              <a:spcBef>
+                <a:spcPts val="0"/>
+              </a:spcBef>
+              <a:spcAft>
+                <a:spcPts val="0"/>
+              </a:spcAft>
+              <a:buNone/>
+            </a:pPr>
+            <a:r>
+              <a:rPr lang="en" sz="1000">
+                <a:solidFill>
+                  <a:srgbClr val="383A42"/>
+                </a:solidFill>
+                <a:highlight>
+                  <a:srgbClr val="FAFAFA"/>
+                </a:highlight>
+                <a:latin typeface="Courier New"/>
+                <a:ea typeface="Courier New"/>
+                <a:cs typeface="Courier New"/>
+                <a:sym typeface="Courier New"/>
+              </a:rPr>
+              <a:t>    </a:t>
+            </a:r>
+            <a:r>
+              <a:rPr lang="en" sz="1000" i="1">
+                <a:solidFill>
+                  <a:srgbClr val="A0A1A7"/>
+                </a:solidFill>
+                <a:highlight>
+                  <a:srgbClr val="FAFAFA"/>
+                </a:highlight>
+                <a:latin typeface="Courier New"/>
+                <a:ea typeface="Courier New"/>
+                <a:cs typeface="Courier New"/>
+                <a:sym typeface="Courier New"/>
+              </a:rPr>
+              <a:t>//không có giá trị nào khớp với giá trị của biểu thức</a:t>
+            </a:r>
+            <a:endParaRPr sz="1000">
+              <a:solidFill>
+                <a:srgbClr val="383A42"/>
+              </a:solidFill>
+              <a:highlight>
+                <a:srgbClr val="FAFAFA"/>
+              </a:highlight>
+              <a:latin typeface="Courier New"/>
+              <a:ea typeface="Courier New"/>
+              <a:cs typeface="Courier New"/>
+              <a:sym typeface="Courier New"/>
+            </a:endParaRPr>
+          </a:p>
+          <a:p>
+            <a:pPr marL="0" lvl="0" indent="0" algn="l" rtl="0">
+              <a:spcBef>
+                <a:spcPts val="0"/>
+              </a:spcBef>
+              <a:spcAft>
+                <a:spcPts val="0"/>
+              </a:spcAft>
+              <a:buNone/>
+            </a:pPr>
+            <a:r>
+              <a:rPr lang="en" sz="1000">
+                <a:solidFill>
+                  <a:srgbClr val="383A42"/>
+                </a:solidFill>
+                <a:highlight>
+                  <a:srgbClr val="FAFAFA"/>
+                </a:highlight>
+                <a:latin typeface="Courier New"/>
+                <a:ea typeface="Courier New"/>
+                <a:cs typeface="Courier New"/>
+                <a:sym typeface="Courier New"/>
+              </a:rPr>
+              <a:t>    [</a:t>
+            </a:r>
+            <a:r>
+              <a:rPr lang="en" sz="1000">
+                <a:solidFill>
+                  <a:srgbClr val="A626A4"/>
+                </a:solidFill>
+                <a:highlight>
+                  <a:srgbClr val="FAFAFA"/>
+                </a:highlight>
+                <a:latin typeface="Courier New"/>
+                <a:ea typeface="Courier New"/>
+                <a:cs typeface="Courier New"/>
+                <a:sym typeface="Courier New"/>
+              </a:rPr>
+              <a:t>break</a:t>
+            </a:r>
+            <a:r>
+              <a:rPr lang="en" sz="1000">
+                <a:solidFill>
+                  <a:srgbClr val="383A42"/>
+                </a:solidFill>
+                <a:highlight>
+                  <a:srgbClr val="FAFAFA"/>
+                </a:highlight>
+                <a:latin typeface="Courier New"/>
+                <a:ea typeface="Courier New"/>
+                <a:cs typeface="Courier New"/>
+                <a:sym typeface="Courier New"/>
+              </a:rPr>
+              <a:t>;]]</a:t>
+            </a:r>
+            <a:endParaRPr sz="1000">
+              <a:solidFill>
+                <a:srgbClr val="383A42"/>
+              </a:solidFill>
+              <a:highlight>
+                <a:srgbClr val="FAFAFA"/>
+              </a:highlight>
+              <a:latin typeface="Courier New"/>
+              <a:ea typeface="Courier New"/>
+              <a:cs typeface="Courier New"/>
+              <a:sym typeface="Courier New"/>
+            </a:endParaRPr>
+          </a:p>
+          <a:p>
+            <a:pPr marL="0" lvl="0" indent="0" algn="l" rtl="0">
+              <a:spcBef>
+                <a:spcPts val="0"/>
+              </a:spcBef>
+              <a:spcAft>
+                <a:spcPts val="0"/>
+              </a:spcAft>
+              <a:buNone/>
+            </a:pPr>
+            <a:endParaRPr sz="1000">
+              <a:solidFill>
+                <a:srgbClr val="383A42"/>
+              </a:solidFill>
+              <a:highlight>
+                <a:srgbClr val="FAFAFA"/>
+              </a:highlight>
+              <a:latin typeface="Courier New"/>
+              <a:ea typeface="Courier New"/>
+              <a:cs typeface="Courier New"/>
+              <a:sym typeface="Courier New"/>
+            </a:endParaRPr>
+          </a:p>
+          <a:p>
+            <a:pPr marL="63500" marR="63500" lvl="0" indent="0" algn="l" rtl="0">
+              <a:lnSpc>
+                <a:spcPct val="115000"/>
+              </a:lnSpc>
+              <a:spcBef>
+                <a:spcPts val="0"/>
+              </a:spcBef>
+              <a:spcAft>
+                <a:spcPts val="0"/>
+              </a:spcAft>
+              <a:buClr>
+                <a:schemeClr val="dk1"/>
+              </a:buClr>
+              <a:buSzPts val="1100"/>
+              <a:buFont typeface="Arial"/>
+              <a:buNone/>
+            </a:pPr>
+            <a:r>
+              <a:rPr lang="en" sz="1000">
+                <a:solidFill>
+                  <a:srgbClr val="383A42"/>
+                </a:solidFill>
+                <a:highlight>
+                  <a:srgbClr val="FAFAFA"/>
+                </a:highlight>
+                <a:latin typeface="Courier New"/>
+                <a:ea typeface="Courier New"/>
+                <a:cs typeface="Courier New"/>
+                <a:sym typeface="Courier New"/>
+              </a:rPr>
+              <a:t>}</a:t>
+            </a:r>
+            <a:endParaRPr sz="1000">
+              <a:solidFill>
+                <a:srgbClr val="383A42"/>
+              </a:solidFill>
+              <a:highlight>
+                <a:srgbClr val="FAFAFA"/>
+              </a:highlight>
+              <a:latin typeface="Courier New"/>
+              <a:ea typeface="Courier New"/>
+              <a:cs typeface="Courier New"/>
+              <a:sym typeface="Courier New"/>
+            </a:endParaRPr>
+          </a:p>
+          <a:p>
+            <a:pPr marL="0" lvl="0" indent="0" algn="l" rtl="0">
+              <a:spcBef>
+                <a:spcPts val="0"/>
+              </a:spcBef>
+              <a:spcAft>
+                <a:spcPts val="0"/>
+              </a:spcAft>
+              <a:buNone/>
+            </a:pPr>
+            <a:endParaRPr/>
+          </a:p>
+        </p:txBody>
+      </p:sp>
+    </p:spTree>
+    <p:extLst>
+      <p:ext uri="{BB962C8B-B14F-4D97-AF65-F5344CB8AC3E}">
+        <p14:creationId xmlns:p14="http://schemas.microsoft.com/office/powerpoint/2010/main" val="3146308845"/>
+      </p:ext>
+    </p:extLst>
   </p:cSld>
   <p:clrMapOvr>
     <a:masterClrMapping/>
@@ -23391,35 +26171,6 @@
           </a:p>
         </p:txBody>
       </p:sp>
-      <p:pic>
-        <p:nvPicPr>
-          <p:cNvPr id="2" name="Picture 1">
-            <a:extLst>
-              <a:ext uri="{FF2B5EF4-FFF2-40B4-BE49-F238E27FC236}">
-                <a16:creationId xmlns:a16="http://schemas.microsoft.com/office/drawing/2014/main" id="{8D0B90A7-41BE-348E-563D-EDA9B546040A}"/>
-              </a:ext>
-            </a:extLst>
-          </p:cNvPr>
-          <p:cNvPicPr>
-            <a:picLocks noChangeAspect="1"/>
-          </p:cNvPicPr>
-          <p:nvPr/>
-        </p:nvPicPr>
-        <p:blipFill rotWithShape="1">
-          <a:blip r:embed="rId3"/>
-          <a:srcRect t="11905"/>
-          <a:stretch/>
-        </p:blipFill>
-        <p:spPr>
-          <a:xfrm>
-            <a:off x="4229100" y="2178824"/>
-            <a:ext cx="4733828" cy="2887114"/>
-          </a:xfrm>
-          <a:prstGeom prst="rect">
-            <a:avLst/>
-          </a:prstGeom>
-        </p:spPr>
-      </p:pic>
       <p:sp>
         <p:nvSpPr>
           <p:cNvPr id="4" name="TextBox 3">
@@ -23435,7 +26186,7 @@
         <p:spPr>
           <a:xfrm>
             <a:off x="636815" y="2415181"/>
-            <a:ext cx="3461657" cy="1077218"/>
+            <a:ext cx="8056611" cy="584775"/>
           </a:xfrm>
           <a:prstGeom prst="rect">
             <a:avLst/>
@@ -23462,6 +26213,36 @@
           </a:p>
         </p:txBody>
       </p:sp>
+      <p:pic>
+        <p:nvPicPr>
+          <p:cNvPr id="5" name="Picture 4">
+            <a:extLst>
+              <a:ext uri="{FF2B5EF4-FFF2-40B4-BE49-F238E27FC236}">
+                <a16:creationId xmlns:a16="http://schemas.microsoft.com/office/drawing/2014/main" id="{27C3A6E6-409F-68AB-3A8F-C75C6D4A57E3}"/>
+              </a:ext>
+            </a:extLst>
+          </p:cNvPr>
+          <p:cNvPicPr>
+            <a:picLocks noChangeAspect="1"/>
+          </p:cNvPicPr>
+          <p:nvPr/>
+        </p:nvPicPr>
+        <p:blipFill>
+          <a:blip r:embed="rId3"/>
+          <a:stretch>
+            <a:fillRect/>
+          </a:stretch>
+        </p:blipFill>
+        <p:spPr>
+          <a:xfrm>
+            <a:off x="988281" y="3189457"/>
+            <a:ext cx="7353678" cy="1073205"/>
+          </a:xfrm>
+          <a:prstGeom prst="rect">
+            <a:avLst/>
+          </a:prstGeom>
+        </p:spPr>
+      </p:pic>
     </p:spTree>
     <p:extLst>
       <p:ext uri="{BB962C8B-B14F-4D97-AF65-F5344CB8AC3E}">
@@ -24405,6 +27186,81 @@
 </p:sld>
 </file>
 
+<file path=ppt/slides/slide39.xml><?xml version="1.0" encoding="utf-8"?>
+<p:sld xmlns:a="http://schemas.openxmlformats.org/drawingml/2006/main" xmlns:r="http://schemas.openxmlformats.org/officeDocument/2006/relationships" xmlns:p="http://schemas.openxmlformats.org/presentationml/2006/main">
+  <p:cSld>
+    <p:spTree>
+      <p:nvGrpSpPr>
+        <p:cNvPr id="1" name="Shape 163"/>
+        <p:cNvGrpSpPr/>
+        <p:nvPr/>
+      </p:nvGrpSpPr>
+      <p:grpSpPr>
+        <a:xfrm>
+          <a:off x="0" y="0"/>
+          <a:ext cx="0" cy="0"/>
+          <a:chOff x="0" y="0"/>
+          <a:chExt cx="0" cy="0"/>
+        </a:xfrm>
+      </p:grpSpPr>
+      <p:sp>
+        <p:nvSpPr>
+          <p:cNvPr id="164" name="Google Shape;164;p30"/>
+          <p:cNvSpPr txBox="1">
+            <a:spLocks noGrp="1"/>
+          </p:cNvSpPr>
+          <p:nvPr>
+            <p:ph type="title"/>
+          </p:nvPr>
+        </p:nvSpPr>
+        <p:spPr>
+          <a:xfrm>
+            <a:off x="490250" y="526350"/>
+            <a:ext cx="5683800" cy="4090800"/>
+          </a:xfrm>
+          <a:prstGeom prst="rect">
+            <a:avLst/>
+          </a:prstGeom>
+        </p:spPr>
+        <p:txBody>
+          <a:bodyPr spcFirstLastPara="1" wrap="square" lIns="91425" tIns="91425" rIns="91425" bIns="91425" anchor="ctr" anchorCtr="0">
+            <a:normAutofit/>
+          </a:bodyPr>
+          <a:lstStyle/>
+          <a:p>
+            <a:pPr marL="0" lvl="0" indent="0" algn="l" rtl="0">
+              <a:lnSpc>
+                <a:spcPct val="115000"/>
+              </a:lnSpc>
+              <a:spcBef>
+                <a:spcPts val="0"/>
+              </a:spcBef>
+              <a:spcAft>
+                <a:spcPts val="0"/>
+              </a:spcAft>
+              <a:buNone/>
+            </a:pPr>
+            <a:r>
+              <a:rPr lang="vi-VN"/>
+              <a:t>Độ ưu tiên toán tử</a:t>
+            </a:r>
+            <a:endParaRPr/>
+          </a:p>
+        </p:txBody>
+      </p:sp>
+    </p:spTree>
+    <p:extLst>
+      <p:ext uri="{BB962C8B-B14F-4D97-AF65-F5344CB8AC3E}">
+        <p14:creationId xmlns:p14="http://schemas.microsoft.com/office/powerpoint/2010/main" val="114538840"/>
+      </p:ext>
+    </p:extLst>
+  </p:cSld>
+  <p:clrMapOvr>
+    <a:masterClrMapping/>
+  </p:clrMapOvr>
+</p:sld>
+</file>
+
 <file path=ppt/slides/slide4.xml><?xml version="1.0" encoding="utf-8"?>
 <p:sld xmlns:a="http://schemas.openxmlformats.org/drawingml/2006/main" xmlns:r="http://schemas.openxmlformats.org/officeDocument/2006/relationships" xmlns:p="http://schemas.openxmlformats.org/presentationml/2006/main">
   <p:cSld>
@@ -24531,7 +27387,7 @@
                 <a:cs typeface="Roboto"/>
                 <a:sym typeface="Roboto"/>
               </a:rPr>
-              <a:t> là một cấu trúc được tạo thành từ các ký tự, biến, lệnh gọi phương thức và toán tử theo cú pháp của Java. Mỗi biểu thức bao gồm ít nhất một toán tử và một toán hạng. Toán hạng có thể là lời gọi theo nghĩa đen, biến hoặc phương thức.</a:t>
+              <a:t> là một cấu trúc được tạo thành từ các ký tự, biến, lệnh gọi phương thức và toán tử theo cú pháp của Java. Mỗi biểu thức bao gồm ít nhất một toán tử và một toán hạng. Toán hạng có thể là lời gọi hàm.</a:t>
             </a:r>
           </a:p>
           <a:p>
@@ -24668,6 +27524,2019 @@
         </p:txBody>
       </p:sp>
     </p:spTree>
+  </p:cSld>
+  <p:clrMapOvr>
+    <a:masterClrMapping/>
+  </p:clrMapOvr>
+</p:sld>
+</file>
+
+<file path=ppt/slides/slide40.xml><?xml version="1.0" encoding="utf-8"?>
+<p:sld xmlns:a="http://schemas.openxmlformats.org/drawingml/2006/main" xmlns:r="http://schemas.openxmlformats.org/officeDocument/2006/relationships" xmlns:p="http://schemas.openxmlformats.org/presentationml/2006/main">
+  <p:cSld>
+    <p:spTree>
+      <p:nvGrpSpPr>
+        <p:cNvPr id="1" name="Shape 174"/>
+        <p:cNvGrpSpPr/>
+        <p:nvPr/>
+      </p:nvGrpSpPr>
+      <p:grpSpPr>
+        <a:xfrm>
+          <a:off x="0" y="0"/>
+          <a:ext cx="0" cy="0"/>
+          <a:chOff x="0" y="0"/>
+          <a:chExt cx="0" cy="0"/>
+        </a:xfrm>
+      </p:grpSpPr>
+      <p:sp>
+        <p:nvSpPr>
+          <p:cNvPr id="175" name="Google Shape;175;p32"/>
+          <p:cNvSpPr txBox="1">
+            <a:spLocks noGrp="1"/>
+          </p:cNvSpPr>
+          <p:nvPr>
+            <p:ph type="title"/>
+          </p:nvPr>
+        </p:nvSpPr>
+        <p:spPr>
+          <a:xfrm>
+            <a:off x="311700" y="445025"/>
+            <a:ext cx="8520600" cy="572700"/>
+          </a:xfrm>
+          <a:prstGeom prst="rect">
+            <a:avLst/>
+          </a:prstGeom>
+        </p:spPr>
+        <p:txBody>
+          <a:bodyPr spcFirstLastPara="1" wrap="square" lIns="91425" tIns="91425" rIns="91425" bIns="91425" anchor="t" anchorCtr="0">
+            <a:normAutofit fontScale="90000"/>
+          </a:bodyPr>
+          <a:lstStyle/>
+          <a:p>
+            <a:pPr marL="0" lvl="0" indent="0" algn="l" rtl="0">
+              <a:spcBef>
+                <a:spcPts val="0"/>
+              </a:spcBef>
+              <a:spcAft>
+                <a:spcPts val="0"/>
+              </a:spcAft>
+              <a:buNone/>
+            </a:pPr>
+            <a:r>
+              <a:rPr lang="vi-VN"/>
+              <a:t>Thứ tự ưu tiên của các toán tử</a:t>
+            </a:r>
+            <a:endParaRPr/>
+          </a:p>
+        </p:txBody>
+      </p:sp>
+      <p:sp>
+        <p:nvSpPr>
+          <p:cNvPr id="176" name="Google Shape;176;p32"/>
+          <p:cNvSpPr txBox="1">
+            <a:spLocks noGrp="1"/>
+          </p:cNvSpPr>
+          <p:nvPr>
+            <p:ph type="body" idx="4294967295"/>
+          </p:nvPr>
+        </p:nvSpPr>
+        <p:spPr>
+          <a:xfrm>
+            <a:off x="311700" y="1152475"/>
+            <a:ext cx="8520600" cy="3416400"/>
+          </a:xfrm>
+          <a:prstGeom prst="rect">
+            <a:avLst/>
+          </a:prstGeom>
+          <a:noFill/>
+        </p:spPr>
+        <p:txBody>
+          <a:bodyPr spcFirstLastPara="1" wrap="square" lIns="91425" tIns="91425" rIns="91425" bIns="91425" anchor="t" anchorCtr="0">
+            <a:noAutofit/>
+          </a:bodyPr>
+          <a:lstStyle/>
+          <a:p>
+            <a:pPr marL="285750" indent="-285750" algn="just"/>
+            <a:r>
+              <a:rPr lang="vi-VN"/>
+              <a:t>Trong toán học chúng ta có độ ưu tiên giữa các phép tính cộng trừ nhân chia, trong dấu ngoặc thì trong Java cũng có những điều tương tự về độ ưu tiên giữa các toán tử nếu chúng được dùng chung trong cùng một biểu thức</a:t>
+            </a:r>
+            <a:endParaRPr lang="vi-VN" sz="1600"/>
+          </a:p>
+        </p:txBody>
+      </p:sp>
+      <p:graphicFrame>
+        <p:nvGraphicFramePr>
+          <p:cNvPr id="3" name="Table 2">
+            <a:extLst>
+              <a:ext uri="{FF2B5EF4-FFF2-40B4-BE49-F238E27FC236}">
+                <a16:creationId xmlns:a16="http://schemas.microsoft.com/office/drawing/2014/main" id="{79970346-F580-217E-7956-5F0757A48BE2}"/>
+              </a:ext>
+            </a:extLst>
+          </p:cNvPr>
+          <p:cNvGraphicFramePr>
+            <a:graphicFrameLocks noGrp="1"/>
+          </p:cNvGraphicFramePr>
+          <p:nvPr>
+            <p:extLst>
+              <p:ext uri="{D42A27DB-BD31-4B8C-83A1-F6EECF244321}">
+                <p14:modId xmlns:p14="http://schemas.microsoft.com/office/powerpoint/2010/main" val="1643996889"/>
+              </p:ext>
+            </p:extLst>
+          </p:nvPr>
+        </p:nvGraphicFramePr>
+        <p:xfrm>
+          <a:off x="1715987" y="2310333"/>
+          <a:ext cx="5817873" cy="2500488"/>
+        </p:xfrm>
+        <a:graphic>
+          <a:graphicData uri="http://schemas.openxmlformats.org/drawingml/2006/table">
+            <a:tbl>
+              <a:tblPr firstRow="1" firstCol="1" bandRow="1">
+                <a:tableStyleId>{5C22544A-7EE6-4342-B048-85BDC9FD1C3A}</a:tableStyleId>
+              </a:tblPr>
+              <a:tblGrid>
+                <a:gridCol w="1939291">
+                  <a:extLst>
+                    <a:ext uri="{9D8B030D-6E8A-4147-A177-3AD203B41FA5}">
+                      <a16:colId xmlns:a16="http://schemas.microsoft.com/office/drawing/2014/main" val="1783660686"/>
+                    </a:ext>
+                  </a:extLst>
+                </a:gridCol>
+                <a:gridCol w="1939291">
+                  <a:extLst>
+                    <a:ext uri="{9D8B030D-6E8A-4147-A177-3AD203B41FA5}">
+                      <a16:colId xmlns:a16="http://schemas.microsoft.com/office/drawing/2014/main" val="871062739"/>
+                    </a:ext>
+                  </a:extLst>
+                </a:gridCol>
+                <a:gridCol w="1939291">
+                  <a:extLst>
+                    <a:ext uri="{9D8B030D-6E8A-4147-A177-3AD203B41FA5}">
+                      <a16:colId xmlns:a16="http://schemas.microsoft.com/office/drawing/2014/main" val="3262055908"/>
+                    </a:ext>
+                  </a:extLst>
+                </a:gridCol>
+              </a:tblGrid>
+              <a:tr h="199286">
+                <a:tc>
+                  <a:txBody>
+                    <a:bodyPr/>
+                    <a:lstStyle/>
+                    <a:p>
+                      <a:pPr marL="457200" indent="-228600" algn="ctr">
+                        <a:lnSpc>
+                          <a:spcPct val="130000"/>
+                        </a:lnSpc>
+                        <a:spcAft>
+                          <a:spcPts val="800"/>
+                        </a:spcAft>
+                      </a:pPr>
+                      <a:r>
+                        <a:rPr lang="en-US" sz="1200" kern="0">
+                          <a:effectLst/>
+                        </a:rPr>
+                        <a:t>Loại</a:t>
+                      </a:r>
+                      <a:endParaRPr lang="en-US" sz="1200" kern="100">
+                        <a:effectLst/>
+                        <a:latin typeface="Calibri" panose="020F0502020204030204" pitchFamily="34" charset="0"/>
+                        <a:ea typeface="Calibri" panose="020F0502020204030204" pitchFamily="34" charset="0"/>
+                        <a:cs typeface="Times New Roman" panose="02020603050405020304" pitchFamily="18" charset="0"/>
+                      </a:endParaRPr>
+                    </a:p>
+                  </a:txBody>
+                  <a:tcPr marL="47600" marR="47600" marT="47600" marB="47600" anchor="ctr"/>
+                </a:tc>
+                <a:tc>
+                  <a:txBody>
+                    <a:bodyPr/>
+                    <a:lstStyle/>
+                    <a:p>
+                      <a:pPr marL="457200" indent="-228600" algn="ctr">
+                        <a:lnSpc>
+                          <a:spcPct val="130000"/>
+                        </a:lnSpc>
+                        <a:spcAft>
+                          <a:spcPts val="800"/>
+                        </a:spcAft>
+                      </a:pPr>
+                      <a:r>
+                        <a:rPr lang="en-US" sz="1200" kern="0">
+                          <a:effectLst/>
+                        </a:rPr>
+                        <a:t>Toán tử</a:t>
+                      </a:r>
+                      <a:endParaRPr lang="en-US" sz="1200" kern="100">
+                        <a:effectLst/>
+                        <a:latin typeface="Calibri" panose="020F0502020204030204" pitchFamily="34" charset="0"/>
+                        <a:ea typeface="Calibri" panose="020F0502020204030204" pitchFamily="34" charset="0"/>
+                        <a:cs typeface="Times New Roman" panose="02020603050405020304" pitchFamily="18" charset="0"/>
+                      </a:endParaRPr>
+                    </a:p>
+                  </a:txBody>
+                  <a:tcPr marL="47600" marR="47600" marT="47600" marB="47600" anchor="ctr"/>
+                </a:tc>
+                <a:tc>
+                  <a:txBody>
+                    <a:bodyPr/>
+                    <a:lstStyle/>
+                    <a:p>
+                      <a:pPr marL="457200" indent="-228600" algn="ctr">
+                        <a:lnSpc>
+                          <a:spcPct val="130000"/>
+                        </a:lnSpc>
+                        <a:spcAft>
+                          <a:spcPts val="800"/>
+                        </a:spcAft>
+                      </a:pPr>
+                      <a:r>
+                        <a:rPr lang="en-US" sz="1200" kern="0">
+                          <a:effectLst/>
+                        </a:rPr>
+                        <a:t>Thứ tự ưu tiên</a:t>
+                      </a:r>
+                      <a:endParaRPr lang="en-US" sz="1200" kern="100">
+                        <a:effectLst/>
+                        <a:latin typeface="Calibri" panose="020F0502020204030204" pitchFamily="34" charset="0"/>
+                        <a:ea typeface="Calibri" panose="020F0502020204030204" pitchFamily="34" charset="0"/>
+                        <a:cs typeface="Times New Roman" panose="02020603050405020304" pitchFamily="18" charset="0"/>
+                      </a:endParaRPr>
+                    </a:p>
+                  </a:txBody>
+                  <a:tcPr marL="47600" marR="47600" marT="47600" marB="47600" anchor="ctr"/>
+                </a:tc>
+                <a:extLst>
+                  <a:ext uri="{0D108BD9-81ED-4DB2-BD59-A6C34878D82A}">
+                    <a16:rowId xmlns:a16="http://schemas.microsoft.com/office/drawing/2014/main" val="3232153949"/>
+                  </a:ext>
+                </a:extLst>
+              </a:tr>
+              <a:tr h="199286">
+                <a:tc>
+                  <a:txBody>
+                    <a:bodyPr/>
+                    <a:lstStyle/>
+                    <a:p>
+                      <a:pPr marL="457200" indent="-228600">
+                        <a:lnSpc>
+                          <a:spcPct val="130000"/>
+                        </a:lnSpc>
+                        <a:spcAft>
+                          <a:spcPts val="800"/>
+                        </a:spcAft>
+                      </a:pPr>
+                      <a:r>
+                        <a:rPr lang="en-US" sz="1200" kern="0">
+                          <a:effectLst/>
+                        </a:rPr>
+                        <a:t>Postfix</a:t>
+                      </a:r>
+                      <a:endParaRPr lang="en-US" sz="1200" kern="100">
+                        <a:effectLst/>
+                        <a:latin typeface="Calibri" panose="020F0502020204030204" pitchFamily="34" charset="0"/>
+                        <a:ea typeface="Calibri" panose="020F0502020204030204" pitchFamily="34" charset="0"/>
+                        <a:cs typeface="Times New Roman" panose="02020603050405020304" pitchFamily="18" charset="0"/>
+                      </a:endParaRPr>
+                    </a:p>
+                  </a:txBody>
+                  <a:tcPr marL="47600" marR="47600" marT="47600" marB="47600" anchor="ctr"/>
+                </a:tc>
+                <a:tc>
+                  <a:txBody>
+                    <a:bodyPr/>
+                    <a:lstStyle/>
+                    <a:p>
+                      <a:pPr marL="457200" indent="-228600">
+                        <a:lnSpc>
+                          <a:spcPct val="130000"/>
+                        </a:lnSpc>
+                        <a:spcAft>
+                          <a:spcPts val="800"/>
+                        </a:spcAft>
+                      </a:pPr>
+                      <a:r>
+                        <a:rPr lang="en-US" sz="1200" kern="0">
+                          <a:effectLst/>
+                        </a:rPr>
+                        <a:t>() [] . (toán tử dot)</a:t>
+                      </a:r>
+                      <a:endParaRPr lang="en-US" sz="1200" kern="100">
+                        <a:effectLst/>
+                        <a:latin typeface="Calibri" panose="020F0502020204030204" pitchFamily="34" charset="0"/>
+                        <a:ea typeface="Calibri" panose="020F0502020204030204" pitchFamily="34" charset="0"/>
+                        <a:cs typeface="Times New Roman" panose="02020603050405020304" pitchFamily="18" charset="0"/>
+                      </a:endParaRPr>
+                    </a:p>
+                  </a:txBody>
+                  <a:tcPr marL="47600" marR="47600" marT="47600" marB="47600" anchor="ctr"/>
+                </a:tc>
+                <a:tc>
+                  <a:txBody>
+                    <a:bodyPr/>
+                    <a:lstStyle/>
+                    <a:p>
+                      <a:pPr marL="457200" indent="-228600">
+                        <a:lnSpc>
+                          <a:spcPct val="130000"/>
+                        </a:lnSpc>
+                        <a:spcAft>
+                          <a:spcPts val="800"/>
+                        </a:spcAft>
+                      </a:pPr>
+                      <a:r>
+                        <a:rPr lang="en-US" sz="1200" kern="0">
+                          <a:effectLst/>
+                        </a:rPr>
+                        <a:t>Trái sang phải</a:t>
+                      </a:r>
+                      <a:endParaRPr lang="en-US" sz="1200" kern="100">
+                        <a:effectLst/>
+                        <a:latin typeface="Calibri" panose="020F0502020204030204" pitchFamily="34" charset="0"/>
+                        <a:ea typeface="Calibri" panose="020F0502020204030204" pitchFamily="34" charset="0"/>
+                        <a:cs typeface="Times New Roman" panose="02020603050405020304" pitchFamily="18" charset="0"/>
+                      </a:endParaRPr>
+                    </a:p>
+                  </a:txBody>
+                  <a:tcPr marL="47600" marR="47600" marT="47600" marB="47600" anchor="ctr"/>
+                </a:tc>
+                <a:extLst>
+                  <a:ext uri="{0D108BD9-81ED-4DB2-BD59-A6C34878D82A}">
+                    <a16:rowId xmlns:a16="http://schemas.microsoft.com/office/drawing/2014/main" val="3657173599"/>
+                  </a:ext>
+                </a:extLst>
+              </a:tr>
+              <a:tr h="199286">
+                <a:tc>
+                  <a:txBody>
+                    <a:bodyPr/>
+                    <a:lstStyle/>
+                    <a:p>
+                      <a:pPr marL="457200" indent="-228600">
+                        <a:lnSpc>
+                          <a:spcPct val="130000"/>
+                        </a:lnSpc>
+                        <a:spcAft>
+                          <a:spcPts val="800"/>
+                        </a:spcAft>
+                      </a:pPr>
+                      <a:r>
+                        <a:rPr lang="en-US" sz="1200" kern="0">
+                          <a:effectLst/>
+                        </a:rPr>
+                        <a:t>Unary (Một ngôi)</a:t>
+                      </a:r>
+                      <a:endParaRPr lang="en-US" sz="1200" kern="100">
+                        <a:effectLst/>
+                        <a:latin typeface="Calibri" panose="020F0502020204030204" pitchFamily="34" charset="0"/>
+                        <a:ea typeface="Calibri" panose="020F0502020204030204" pitchFamily="34" charset="0"/>
+                        <a:cs typeface="Times New Roman" panose="02020603050405020304" pitchFamily="18" charset="0"/>
+                      </a:endParaRPr>
+                    </a:p>
+                  </a:txBody>
+                  <a:tcPr marL="47600" marR="47600" marT="47600" marB="47600" anchor="ctr"/>
+                </a:tc>
+                <a:tc>
+                  <a:txBody>
+                    <a:bodyPr/>
+                    <a:lstStyle/>
+                    <a:p>
+                      <a:pPr marL="457200" indent="-228600">
+                        <a:lnSpc>
+                          <a:spcPct val="130000"/>
+                        </a:lnSpc>
+                        <a:spcAft>
+                          <a:spcPts val="800"/>
+                        </a:spcAft>
+                      </a:pPr>
+                      <a:r>
+                        <a:rPr lang="en-US" sz="1200" kern="0">
+                          <a:effectLst/>
+                        </a:rPr>
+                        <a:t>++ – – ! ~</a:t>
+                      </a:r>
+                      <a:endParaRPr lang="en-US" sz="1200" kern="100">
+                        <a:effectLst/>
+                        <a:latin typeface="Calibri" panose="020F0502020204030204" pitchFamily="34" charset="0"/>
+                        <a:ea typeface="Calibri" panose="020F0502020204030204" pitchFamily="34" charset="0"/>
+                        <a:cs typeface="Times New Roman" panose="02020603050405020304" pitchFamily="18" charset="0"/>
+                      </a:endParaRPr>
+                    </a:p>
+                  </a:txBody>
+                  <a:tcPr marL="47600" marR="47600" marT="47600" marB="47600" anchor="ctr"/>
+                </a:tc>
+                <a:tc>
+                  <a:txBody>
+                    <a:bodyPr/>
+                    <a:lstStyle/>
+                    <a:p>
+                      <a:pPr marL="457200" indent="-228600">
+                        <a:lnSpc>
+                          <a:spcPct val="130000"/>
+                        </a:lnSpc>
+                        <a:spcAft>
+                          <a:spcPts val="800"/>
+                        </a:spcAft>
+                      </a:pPr>
+                      <a:r>
+                        <a:rPr lang="en-US" sz="1200" kern="0">
+                          <a:effectLst/>
+                        </a:rPr>
+                        <a:t>Phải sang trái</a:t>
+                      </a:r>
+                      <a:endParaRPr lang="en-US" sz="1200" kern="100">
+                        <a:effectLst/>
+                        <a:latin typeface="Calibri" panose="020F0502020204030204" pitchFamily="34" charset="0"/>
+                        <a:ea typeface="Calibri" panose="020F0502020204030204" pitchFamily="34" charset="0"/>
+                        <a:cs typeface="Times New Roman" panose="02020603050405020304" pitchFamily="18" charset="0"/>
+                      </a:endParaRPr>
+                    </a:p>
+                  </a:txBody>
+                  <a:tcPr marL="47600" marR="47600" marT="47600" marB="47600" anchor="ctr"/>
+                </a:tc>
+                <a:extLst>
+                  <a:ext uri="{0D108BD9-81ED-4DB2-BD59-A6C34878D82A}">
+                    <a16:rowId xmlns:a16="http://schemas.microsoft.com/office/drawing/2014/main" val="492501708"/>
+                  </a:ext>
+                </a:extLst>
+              </a:tr>
+              <a:tr h="199286">
+                <a:tc>
+                  <a:txBody>
+                    <a:bodyPr/>
+                    <a:lstStyle/>
+                    <a:p>
+                      <a:pPr marL="457200" indent="-228600">
+                        <a:lnSpc>
+                          <a:spcPct val="130000"/>
+                        </a:lnSpc>
+                        <a:spcAft>
+                          <a:spcPts val="800"/>
+                        </a:spcAft>
+                      </a:pPr>
+                      <a:r>
+                        <a:rPr lang="en-US" sz="1200" kern="0">
+                          <a:effectLst/>
+                        </a:rPr>
+                        <a:t>Tính nhân</a:t>
+                      </a:r>
+                      <a:endParaRPr lang="en-US" sz="1200" kern="100">
+                        <a:effectLst/>
+                        <a:latin typeface="Calibri" panose="020F0502020204030204" pitchFamily="34" charset="0"/>
+                        <a:ea typeface="Calibri" panose="020F0502020204030204" pitchFamily="34" charset="0"/>
+                        <a:cs typeface="Times New Roman" panose="02020603050405020304" pitchFamily="18" charset="0"/>
+                      </a:endParaRPr>
+                    </a:p>
+                  </a:txBody>
+                  <a:tcPr marL="47600" marR="47600" marT="47600" marB="47600" anchor="ctr"/>
+                </a:tc>
+                <a:tc>
+                  <a:txBody>
+                    <a:bodyPr/>
+                    <a:lstStyle/>
+                    <a:p>
+                      <a:pPr marL="457200" indent="-228600">
+                        <a:lnSpc>
+                          <a:spcPct val="130000"/>
+                        </a:lnSpc>
+                        <a:spcAft>
+                          <a:spcPts val="800"/>
+                        </a:spcAft>
+                      </a:pPr>
+                      <a:r>
+                        <a:rPr lang="en-US" sz="1200" kern="0">
+                          <a:effectLst/>
+                        </a:rPr>
+                        <a:t>* / %</a:t>
+                      </a:r>
+                      <a:endParaRPr lang="en-US" sz="1200" kern="100">
+                        <a:effectLst/>
+                        <a:latin typeface="Calibri" panose="020F0502020204030204" pitchFamily="34" charset="0"/>
+                        <a:ea typeface="Calibri" panose="020F0502020204030204" pitchFamily="34" charset="0"/>
+                        <a:cs typeface="Times New Roman" panose="02020603050405020304" pitchFamily="18" charset="0"/>
+                      </a:endParaRPr>
+                    </a:p>
+                  </a:txBody>
+                  <a:tcPr marL="47600" marR="47600" marT="47600" marB="47600" anchor="ctr"/>
+                </a:tc>
+                <a:tc>
+                  <a:txBody>
+                    <a:bodyPr/>
+                    <a:lstStyle/>
+                    <a:p>
+                      <a:pPr marL="457200" indent="-228600">
+                        <a:lnSpc>
+                          <a:spcPct val="130000"/>
+                        </a:lnSpc>
+                        <a:spcAft>
+                          <a:spcPts val="800"/>
+                        </a:spcAft>
+                      </a:pPr>
+                      <a:r>
+                        <a:rPr lang="en-US" sz="1200" kern="0">
+                          <a:effectLst/>
+                        </a:rPr>
+                        <a:t>Trái sang phải</a:t>
+                      </a:r>
+                      <a:endParaRPr lang="en-US" sz="1200" kern="100">
+                        <a:effectLst/>
+                        <a:latin typeface="Calibri" panose="020F0502020204030204" pitchFamily="34" charset="0"/>
+                        <a:ea typeface="Calibri" panose="020F0502020204030204" pitchFamily="34" charset="0"/>
+                        <a:cs typeface="Times New Roman" panose="02020603050405020304" pitchFamily="18" charset="0"/>
+                      </a:endParaRPr>
+                    </a:p>
+                  </a:txBody>
+                  <a:tcPr marL="47600" marR="47600" marT="47600" marB="47600" anchor="ctr"/>
+                </a:tc>
+                <a:extLst>
+                  <a:ext uri="{0D108BD9-81ED-4DB2-BD59-A6C34878D82A}">
+                    <a16:rowId xmlns:a16="http://schemas.microsoft.com/office/drawing/2014/main" val="2718876720"/>
+                  </a:ext>
+                </a:extLst>
+              </a:tr>
+              <a:tr h="199286">
+                <a:tc>
+                  <a:txBody>
+                    <a:bodyPr/>
+                    <a:lstStyle/>
+                    <a:p>
+                      <a:pPr marL="457200" indent="-228600">
+                        <a:lnSpc>
+                          <a:spcPct val="130000"/>
+                        </a:lnSpc>
+                        <a:spcAft>
+                          <a:spcPts val="800"/>
+                        </a:spcAft>
+                      </a:pPr>
+                      <a:r>
+                        <a:rPr lang="en-US" sz="1200" kern="0">
+                          <a:effectLst/>
+                        </a:rPr>
+                        <a:t>Tính cộng</a:t>
+                      </a:r>
+                      <a:endParaRPr lang="en-US" sz="1200" kern="100">
+                        <a:effectLst/>
+                        <a:latin typeface="Calibri" panose="020F0502020204030204" pitchFamily="34" charset="0"/>
+                        <a:ea typeface="Calibri" panose="020F0502020204030204" pitchFamily="34" charset="0"/>
+                        <a:cs typeface="Times New Roman" panose="02020603050405020304" pitchFamily="18" charset="0"/>
+                      </a:endParaRPr>
+                    </a:p>
+                  </a:txBody>
+                  <a:tcPr marL="47600" marR="47600" marT="47600" marB="47600" anchor="ctr"/>
+                </a:tc>
+                <a:tc>
+                  <a:txBody>
+                    <a:bodyPr/>
+                    <a:lstStyle/>
+                    <a:p>
+                      <a:pPr marL="457200" indent="-228600">
+                        <a:lnSpc>
+                          <a:spcPct val="130000"/>
+                        </a:lnSpc>
+                        <a:spcAft>
+                          <a:spcPts val="800"/>
+                        </a:spcAft>
+                      </a:pPr>
+                      <a:r>
+                        <a:rPr lang="en-US" sz="1200" kern="0">
+                          <a:effectLst/>
+                        </a:rPr>
+                        <a:t>+ –</a:t>
+                      </a:r>
+                      <a:endParaRPr lang="en-US" sz="1200" kern="100">
+                        <a:effectLst/>
+                        <a:latin typeface="Calibri" panose="020F0502020204030204" pitchFamily="34" charset="0"/>
+                        <a:ea typeface="Calibri" panose="020F0502020204030204" pitchFamily="34" charset="0"/>
+                        <a:cs typeface="Times New Roman" panose="02020603050405020304" pitchFamily="18" charset="0"/>
+                      </a:endParaRPr>
+                    </a:p>
+                  </a:txBody>
+                  <a:tcPr marL="47600" marR="47600" marT="47600" marB="47600" anchor="ctr"/>
+                </a:tc>
+                <a:tc>
+                  <a:txBody>
+                    <a:bodyPr/>
+                    <a:lstStyle/>
+                    <a:p>
+                      <a:pPr marL="457200" indent="-228600">
+                        <a:lnSpc>
+                          <a:spcPct val="130000"/>
+                        </a:lnSpc>
+                        <a:spcAft>
+                          <a:spcPts val="800"/>
+                        </a:spcAft>
+                      </a:pPr>
+                      <a:r>
+                        <a:rPr lang="en-US" sz="1200" kern="0">
+                          <a:effectLst/>
+                        </a:rPr>
+                        <a:t>Trái sang phải</a:t>
+                      </a:r>
+                      <a:endParaRPr lang="en-US" sz="1200" kern="100">
+                        <a:effectLst/>
+                        <a:latin typeface="Calibri" panose="020F0502020204030204" pitchFamily="34" charset="0"/>
+                        <a:ea typeface="Calibri" panose="020F0502020204030204" pitchFamily="34" charset="0"/>
+                        <a:cs typeface="Times New Roman" panose="02020603050405020304" pitchFamily="18" charset="0"/>
+                      </a:endParaRPr>
+                    </a:p>
+                  </a:txBody>
+                  <a:tcPr marL="47600" marR="47600" marT="47600" marB="47600" anchor="ctr"/>
+                </a:tc>
+                <a:extLst>
+                  <a:ext uri="{0D108BD9-81ED-4DB2-BD59-A6C34878D82A}">
+                    <a16:rowId xmlns:a16="http://schemas.microsoft.com/office/drawing/2014/main" val="3535164426"/>
+                  </a:ext>
+                </a:extLst>
+              </a:tr>
+              <a:tr h="199286">
+                <a:tc>
+                  <a:txBody>
+                    <a:bodyPr/>
+                    <a:lstStyle/>
+                    <a:p>
+                      <a:pPr marL="457200" indent="-228600">
+                        <a:lnSpc>
+                          <a:spcPct val="130000"/>
+                        </a:lnSpc>
+                        <a:spcAft>
+                          <a:spcPts val="800"/>
+                        </a:spcAft>
+                      </a:pPr>
+                      <a:r>
+                        <a:rPr lang="en-US" sz="1200" kern="0">
+                          <a:effectLst/>
+                        </a:rPr>
+                        <a:t>Dịch chuyển</a:t>
+                      </a:r>
+                      <a:endParaRPr lang="en-US" sz="1200" kern="100">
+                        <a:effectLst/>
+                        <a:latin typeface="Calibri" panose="020F0502020204030204" pitchFamily="34" charset="0"/>
+                        <a:ea typeface="Calibri" panose="020F0502020204030204" pitchFamily="34" charset="0"/>
+                        <a:cs typeface="Times New Roman" panose="02020603050405020304" pitchFamily="18" charset="0"/>
+                      </a:endParaRPr>
+                    </a:p>
+                  </a:txBody>
+                  <a:tcPr marL="47600" marR="47600" marT="47600" marB="47600" anchor="ctr"/>
+                </a:tc>
+                <a:tc>
+                  <a:txBody>
+                    <a:bodyPr/>
+                    <a:lstStyle/>
+                    <a:p>
+                      <a:pPr marL="457200" indent="-228600">
+                        <a:lnSpc>
+                          <a:spcPct val="130000"/>
+                        </a:lnSpc>
+                        <a:spcAft>
+                          <a:spcPts val="800"/>
+                        </a:spcAft>
+                      </a:pPr>
+                      <a:r>
+                        <a:rPr lang="en-US" sz="1200" kern="0">
+                          <a:effectLst/>
+                        </a:rPr>
+                        <a:t>&gt;&gt; &gt;&gt;&gt; &lt;&lt;</a:t>
+                      </a:r>
+                      <a:endParaRPr lang="en-US" sz="1200" kern="100">
+                        <a:effectLst/>
+                        <a:latin typeface="Calibri" panose="020F0502020204030204" pitchFamily="34" charset="0"/>
+                        <a:ea typeface="Calibri" panose="020F0502020204030204" pitchFamily="34" charset="0"/>
+                        <a:cs typeface="Times New Roman" panose="02020603050405020304" pitchFamily="18" charset="0"/>
+                      </a:endParaRPr>
+                    </a:p>
+                  </a:txBody>
+                  <a:tcPr marL="47600" marR="47600" marT="47600" marB="47600" anchor="ctr"/>
+                </a:tc>
+                <a:tc>
+                  <a:txBody>
+                    <a:bodyPr/>
+                    <a:lstStyle/>
+                    <a:p>
+                      <a:pPr marL="457200" indent="-228600">
+                        <a:lnSpc>
+                          <a:spcPct val="130000"/>
+                        </a:lnSpc>
+                        <a:spcAft>
+                          <a:spcPts val="800"/>
+                        </a:spcAft>
+                      </a:pPr>
+                      <a:r>
+                        <a:rPr lang="en-US" sz="1200" kern="0">
+                          <a:effectLst/>
+                        </a:rPr>
+                        <a:t>Trái sang phải</a:t>
+                      </a:r>
+                      <a:endParaRPr lang="en-US" sz="1200" kern="100">
+                        <a:effectLst/>
+                        <a:latin typeface="Calibri" panose="020F0502020204030204" pitchFamily="34" charset="0"/>
+                        <a:ea typeface="Calibri" panose="020F0502020204030204" pitchFamily="34" charset="0"/>
+                        <a:cs typeface="Times New Roman" panose="02020603050405020304" pitchFamily="18" charset="0"/>
+                      </a:endParaRPr>
+                    </a:p>
+                  </a:txBody>
+                  <a:tcPr marL="47600" marR="47600" marT="47600" marB="47600" anchor="ctr"/>
+                </a:tc>
+                <a:extLst>
+                  <a:ext uri="{0D108BD9-81ED-4DB2-BD59-A6C34878D82A}">
+                    <a16:rowId xmlns:a16="http://schemas.microsoft.com/office/drawing/2014/main" val="1493763543"/>
+                  </a:ext>
+                </a:extLst>
+              </a:tr>
+              <a:tr h="199286">
+                <a:tc>
+                  <a:txBody>
+                    <a:bodyPr/>
+                    <a:lstStyle/>
+                    <a:p>
+                      <a:pPr marL="457200" indent="-228600">
+                        <a:lnSpc>
+                          <a:spcPct val="130000"/>
+                        </a:lnSpc>
+                        <a:spcAft>
+                          <a:spcPts val="800"/>
+                        </a:spcAft>
+                      </a:pPr>
+                      <a:r>
+                        <a:rPr lang="en-US" sz="1200" kern="0">
+                          <a:effectLst/>
+                        </a:rPr>
+                        <a:t>Quan hệ</a:t>
+                      </a:r>
+                      <a:endParaRPr lang="en-US" sz="1200" kern="100">
+                        <a:effectLst/>
+                        <a:latin typeface="Calibri" panose="020F0502020204030204" pitchFamily="34" charset="0"/>
+                        <a:ea typeface="Calibri" panose="020F0502020204030204" pitchFamily="34" charset="0"/>
+                        <a:cs typeface="Times New Roman" panose="02020603050405020304" pitchFamily="18" charset="0"/>
+                      </a:endParaRPr>
+                    </a:p>
+                  </a:txBody>
+                  <a:tcPr marL="47600" marR="47600" marT="47600" marB="47600" anchor="ctr"/>
+                </a:tc>
+                <a:tc>
+                  <a:txBody>
+                    <a:bodyPr/>
+                    <a:lstStyle/>
+                    <a:p>
+                      <a:pPr marL="457200" indent="-228600">
+                        <a:lnSpc>
+                          <a:spcPct val="130000"/>
+                        </a:lnSpc>
+                        <a:spcAft>
+                          <a:spcPts val="800"/>
+                        </a:spcAft>
+                      </a:pPr>
+                      <a:r>
+                        <a:rPr lang="en-US" sz="1200" kern="0">
+                          <a:effectLst/>
+                        </a:rPr>
+                        <a:t>&gt; &gt;= &lt; &lt;=</a:t>
+                      </a:r>
+                      <a:endParaRPr lang="en-US" sz="1200" kern="100">
+                        <a:effectLst/>
+                        <a:latin typeface="Calibri" panose="020F0502020204030204" pitchFamily="34" charset="0"/>
+                        <a:ea typeface="Calibri" panose="020F0502020204030204" pitchFamily="34" charset="0"/>
+                        <a:cs typeface="Times New Roman" panose="02020603050405020304" pitchFamily="18" charset="0"/>
+                      </a:endParaRPr>
+                    </a:p>
+                  </a:txBody>
+                  <a:tcPr marL="47600" marR="47600" marT="47600" marB="47600" anchor="ctr"/>
+                </a:tc>
+                <a:tc>
+                  <a:txBody>
+                    <a:bodyPr/>
+                    <a:lstStyle/>
+                    <a:p>
+                      <a:pPr marL="457200" indent="-228600">
+                        <a:lnSpc>
+                          <a:spcPct val="130000"/>
+                        </a:lnSpc>
+                        <a:spcAft>
+                          <a:spcPts val="800"/>
+                        </a:spcAft>
+                      </a:pPr>
+                      <a:r>
+                        <a:rPr lang="en-US" sz="1200" kern="0">
+                          <a:effectLst/>
+                        </a:rPr>
+                        <a:t>Trái sang phải</a:t>
+                      </a:r>
+                      <a:endParaRPr lang="en-US" sz="1200" kern="100">
+                        <a:effectLst/>
+                        <a:latin typeface="Calibri" panose="020F0502020204030204" pitchFamily="34" charset="0"/>
+                        <a:ea typeface="Calibri" panose="020F0502020204030204" pitchFamily="34" charset="0"/>
+                        <a:cs typeface="Times New Roman" panose="02020603050405020304" pitchFamily="18" charset="0"/>
+                      </a:endParaRPr>
+                    </a:p>
+                  </a:txBody>
+                  <a:tcPr marL="47600" marR="47600" marT="47600" marB="47600" anchor="ctr"/>
+                </a:tc>
+                <a:extLst>
+                  <a:ext uri="{0D108BD9-81ED-4DB2-BD59-A6C34878D82A}">
+                    <a16:rowId xmlns:a16="http://schemas.microsoft.com/office/drawing/2014/main" val="1457330483"/>
+                  </a:ext>
+                </a:extLst>
+              </a:tr>
+              <a:tr h="199286">
+                <a:tc>
+                  <a:txBody>
+                    <a:bodyPr/>
+                    <a:lstStyle/>
+                    <a:p>
+                      <a:pPr marL="457200" indent="-228600">
+                        <a:lnSpc>
+                          <a:spcPct val="130000"/>
+                        </a:lnSpc>
+                        <a:spcAft>
+                          <a:spcPts val="800"/>
+                        </a:spcAft>
+                      </a:pPr>
+                      <a:r>
+                        <a:rPr lang="en-US" sz="1200" kern="0">
+                          <a:effectLst/>
+                        </a:rPr>
+                        <a:t>Cân bằng</a:t>
+                      </a:r>
+                      <a:endParaRPr lang="en-US" sz="1200" kern="100">
+                        <a:effectLst/>
+                        <a:latin typeface="Calibri" panose="020F0502020204030204" pitchFamily="34" charset="0"/>
+                        <a:ea typeface="Calibri" panose="020F0502020204030204" pitchFamily="34" charset="0"/>
+                        <a:cs typeface="Times New Roman" panose="02020603050405020304" pitchFamily="18" charset="0"/>
+                      </a:endParaRPr>
+                    </a:p>
+                  </a:txBody>
+                  <a:tcPr marL="47600" marR="47600" marT="47600" marB="47600" anchor="ctr"/>
+                </a:tc>
+                <a:tc>
+                  <a:txBody>
+                    <a:bodyPr/>
+                    <a:lstStyle/>
+                    <a:p>
+                      <a:pPr marL="457200" indent="-228600">
+                        <a:lnSpc>
+                          <a:spcPct val="130000"/>
+                        </a:lnSpc>
+                        <a:spcAft>
+                          <a:spcPts val="800"/>
+                        </a:spcAft>
+                      </a:pPr>
+                      <a:r>
+                        <a:rPr lang="en-US" sz="1200" kern="0">
+                          <a:effectLst/>
+                        </a:rPr>
+                        <a:t>== !=</a:t>
+                      </a:r>
+                      <a:endParaRPr lang="en-US" sz="1200" kern="100">
+                        <a:effectLst/>
+                        <a:latin typeface="Calibri" panose="020F0502020204030204" pitchFamily="34" charset="0"/>
+                        <a:ea typeface="Calibri" panose="020F0502020204030204" pitchFamily="34" charset="0"/>
+                        <a:cs typeface="Times New Roman" panose="02020603050405020304" pitchFamily="18" charset="0"/>
+                      </a:endParaRPr>
+                    </a:p>
+                  </a:txBody>
+                  <a:tcPr marL="47600" marR="47600" marT="47600" marB="47600" anchor="ctr"/>
+                </a:tc>
+                <a:tc>
+                  <a:txBody>
+                    <a:bodyPr/>
+                    <a:lstStyle/>
+                    <a:p>
+                      <a:pPr marL="457200" indent="-228600">
+                        <a:lnSpc>
+                          <a:spcPct val="130000"/>
+                        </a:lnSpc>
+                        <a:spcAft>
+                          <a:spcPts val="800"/>
+                        </a:spcAft>
+                      </a:pPr>
+                      <a:r>
+                        <a:rPr lang="en-US" sz="1200" kern="0">
+                          <a:effectLst/>
+                        </a:rPr>
+                        <a:t>Trái sang phải</a:t>
+                      </a:r>
+                      <a:endParaRPr lang="en-US" sz="1200" kern="100">
+                        <a:effectLst/>
+                        <a:latin typeface="Calibri" panose="020F0502020204030204" pitchFamily="34" charset="0"/>
+                        <a:ea typeface="Calibri" panose="020F0502020204030204" pitchFamily="34" charset="0"/>
+                        <a:cs typeface="Times New Roman" panose="02020603050405020304" pitchFamily="18" charset="0"/>
+                      </a:endParaRPr>
+                    </a:p>
+                  </a:txBody>
+                  <a:tcPr marL="47600" marR="47600" marT="47600" marB="47600" anchor="ctr"/>
+                </a:tc>
+                <a:extLst>
+                  <a:ext uri="{0D108BD9-81ED-4DB2-BD59-A6C34878D82A}">
+                    <a16:rowId xmlns:a16="http://schemas.microsoft.com/office/drawing/2014/main" val="2618213392"/>
+                  </a:ext>
+                </a:extLst>
+              </a:tr>
+            </a:tbl>
+          </a:graphicData>
+        </a:graphic>
+      </p:graphicFrame>
+    </p:spTree>
+    <p:extLst>
+      <p:ext uri="{BB962C8B-B14F-4D97-AF65-F5344CB8AC3E}">
+        <p14:creationId xmlns:p14="http://schemas.microsoft.com/office/powerpoint/2010/main" val="2193572360"/>
+      </p:ext>
+    </p:extLst>
+  </p:cSld>
+  <p:clrMapOvr>
+    <a:masterClrMapping/>
+  </p:clrMapOvr>
+</p:sld>
+</file>
+
+<file path=ppt/slides/slide41.xml><?xml version="1.0" encoding="utf-8"?>
+<p:sld xmlns:a="http://schemas.openxmlformats.org/drawingml/2006/main" xmlns:r="http://schemas.openxmlformats.org/officeDocument/2006/relationships" xmlns:p="http://schemas.openxmlformats.org/presentationml/2006/main">
+  <p:cSld>
+    <p:spTree>
+      <p:nvGrpSpPr>
+        <p:cNvPr id="1" name="Shape 174"/>
+        <p:cNvGrpSpPr/>
+        <p:nvPr/>
+      </p:nvGrpSpPr>
+      <p:grpSpPr>
+        <a:xfrm>
+          <a:off x="0" y="0"/>
+          <a:ext cx="0" cy="0"/>
+          <a:chOff x="0" y="0"/>
+          <a:chExt cx="0" cy="0"/>
+        </a:xfrm>
+      </p:grpSpPr>
+      <p:sp>
+        <p:nvSpPr>
+          <p:cNvPr id="175" name="Google Shape;175;p32"/>
+          <p:cNvSpPr txBox="1">
+            <a:spLocks noGrp="1"/>
+          </p:cNvSpPr>
+          <p:nvPr>
+            <p:ph type="title"/>
+          </p:nvPr>
+        </p:nvSpPr>
+        <p:spPr>
+          <a:xfrm>
+            <a:off x="311700" y="445025"/>
+            <a:ext cx="8520600" cy="572700"/>
+          </a:xfrm>
+          <a:prstGeom prst="rect">
+            <a:avLst/>
+          </a:prstGeom>
+        </p:spPr>
+        <p:txBody>
+          <a:bodyPr spcFirstLastPara="1" wrap="square" lIns="91425" tIns="91425" rIns="91425" bIns="91425" anchor="t" anchorCtr="0">
+            <a:normAutofit fontScale="90000"/>
+          </a:bodyPr>
+          <a:lstStyle/>
+          <a:p>
+            <a:pPr marL="0" lvl="0" indent="0" algn="l" rtl="0">
+              <a:spcBef>
+                <a:spcPts val="0"/>
+              </a:spcBef>
+              <a:spcAft>
+                <a:spcPts val="0"/>
+              </a:spcAft>
+              <a:buNone/>
+            </a:pPr>
+            <a:r>
+              <a:rPr lang="vi-VN"/>
+              <a:t>Thứ tự ưu tiên của các toán tử</a:t>
+            </a:r>
+            <a:endParaRPr/>
+          </a:p>
+        </p:txBody>
+      </p:sp>
+      <p:sp>
+        <p:nvSpPr>
+          <p:cNvPr id="176" name="Google Shape;176;p32"/>
+          <p:cNvSpPr txBox="1">
+            <a:spLocks noGrp="1"/>
+          </p:cNvSpPr>
+          <p:nvPr>
+            <p:ph type="body" idx="4294967295"/>
+          </p:nvPr>
+        </p:nvSpPr>
+        <p:spPr>
+          <a:xfrm>
+            <a:off x="311700" y="1152475"/>
+            <a:ext cx="8520600" cy="3416400"/>
+          </a:xfrm>
+          <a:prstGeom prst="rect">
+            <a:avLst/>
+          </a:prstGeom>
+          <a:noFill/>
+        </p:spPr>
+        <p:txBody>
+          <a:bodyPr spcFirstLastPara="1" wrap="square" lIns="91425" tIns="91425" rIns="91425" bIns="91425" anchor="t" anchorCtr="0">
+            <a:noAutofit/>
+          </a:bodyPr>
+          <a:lstStyle/>
+          <a:p>
+            <a:pPr marL="285750" indent="-285750" algn="just"/>
+            <a:endParaRPr lang="vi-VN" sz="1600"/>
+          </a:p>
+        </p:txBody>
+      </p:sp>
+      <p:graphicFrame>
+        <p:nvGraphicFramePr>
+          <p:cNvPr id="3" name="Table 2">
+            <a:extLst>
+              <a:ext uri="{FF2B5EF4-FFF2-40B4-BE49-F238E27FC236}">
+                <a16:creationId xmlns:a16="http://schemas.microsoft.com/office/drawing/2014/main" id="{79970346-F580-217E-7956-5F0757A48BE2}"/>
+              </a:ext>
+            </a:extLst>
+          </p:cNvPr>
+          <p:cNvGraphicFramePr>
+            <a:graphicFrameLocks noGrp="1"/>
+          </p:cNvGraphicFramePr>
+          <p:nvPr>
+            <p:extLst>
+              <p:ext uri="{D42A27DB-BD31-4B8C-83A1-F6EECF244321}">
+                <p14:modId xmlns:p14="http://schemas.microsoft.com/office/powerpoint/2010/main" val="77773353"/>
+              </p:ext>
+            </p:extLst>
+          </p:nvPr>
+        </p:nvGraphicFramePr>
+        <p:xfrm>
+          <a:off x="1533855" y="1383716"/>
+          <a:ext cx="5877507" cy="3050793"/>
+        </p:xfrm>
+        <a:graphic>
+          <a:graphicData uri="http://schemas.openxmlformats.org/drawingml/2006/table">
+            <a:tbl>
+              <a:tblPr firstRow="1" firstCol="1" bandRow="1">
+                <a:tableStyleId>{5C22544A-7EE6-4342-B048-85BDC9FD1C3A}</a:tableStyleId>
+              </a:tblPr>
+              <a:tblGrid>
+                <a:gridCol w="1959169">
+                  <a:extLst>
+                    <a:ext uri="{9D8B030D-6E8A-4147-A177-3AD203B41FA5}">
+                      <a16:colId xmlns:a16="http://schemas.microsoft.com/office/drawing/2014/main" val="1783660686"/>
+                    </a:ext>
+                  </a:extLst>
+                </a:gridCol>
+                <a:gridCol w="1959169">
+                  <a:extLst>
+                    <a:ext uri="{9D8B030D-6E8A-4147-A177-3AD203B41FA5}">
+                      <a16:colId xmlns:a16="http://schemas.microsoft.com/office/drawing/2014/main" val="871062739"/>
+                    </a:ext>
+                  </a:extLst>
+                </a:gridCol>
+                <a:gridCol w="1959169">
+                  <a:extLst>
+                    <a:ext uri="{9D8B030D-6E8A-4147-A177-3AD203B41FA5}">
+                      <a16:colId xmlns:a16="http://schemas.microsoft.com/office/drawing/2014/main" val="3262055908"/>
+                    </a:ext>
+                  </a:extLst>
+                </a:gridCol>
+              </a:tblGrid>
+              <a:tr h="199286">
+                <a:tc>
+                  <a:txBody>
+                    <a:bodyPr/>
+                    <a:lstStyle/>
+                    <a:p>
+                      <a:pPr marL="457200" indent="-228600" algn="ctr">
+                        <a:lnSpc>
+                          <a:spcPct val="130000"/>
+                        </a:lnSpc>
+                        <a:spcAft>
+                          <a:spcPts val="800"/>
+                        </a:spcAft>
+                      </a:pPr>
+                      <a:r>
+                        <a:rPr lang="en-US" sz="1200" kern="0">
+                          <a:effectLst/>
+                        </a:rPr>
+                        <a:t>Loại</a:t>
+                      </a:r>
+                      <a:endParaRPr lang="en-US" sz="1200" kern="100">
+                        <a:effectLst/>
+                        <a:latin typeface="Calibri" panose="020F0502020204030204" pitchFamily="34" charset="0"/>
+                        <a:ea typeface="Calibri" panose="020F0502020204030204" pitchFamily="34" charset="0"/>
+                        <a:cs typeface="Times New Roman" panose="02020603050405020304" pitchFamily="18" charset="0"/>
+                      </a:endParaRPr>
+                    </a:p>
+                  </a:txBody>
+                  <a:tcPr marL="47600" marR="47600" marT="47600" marB="47600" anchor="ctr"/>
+                </a:tc>
+                <a:tc>
+                  <a:txBody>
+                    <a:bodyPr/>
+                    <a:lstStyle/>
+                    <a:p>
+                      <a:pPr marL="457200" indent="-228600" algn="ctr">
+                        <a:lnSpc>
+                          <a:spcPct val="130000"/>
+                        </a:lnSpc>
+                        <a:spcAft>
+                          <a:spcPts val="800"/>
+                        </a:spcAft>
+                      </a:pPr>
+                      <a:r>
+                        <a:rPr lang="en-US" sz="1200" kern="0">
+                          <a:effectLst/>
+                        </a:rPr>
+                        <a:t>Toán tử</a:t>
+                      </a:r>
+                      <a:endParaRPr lang="en-US" sz="1200" kern="100">
+                        <a:effectLst/>
+                        <a:latin typeface="Calibri" panose="020F0502020204030204" pitchFamily="34" charset="0"/>
+                        <a:ea typeface="Calibri" panose="020F0502020204030204" pitchFamily="34" charset="0"/>
+                        <a:cs typeface="Times New Roman" panose="02020603050405020304" pitchFamily="18" charset="0"/>
+                      </a:endParaRPr>
+                    </a:p>
+                  </a:txBody>
+                  <a:tcPr marL="47600" marR="47600" marT="47600" marB="47600" anchor="ctr"/>
+                </a:tc>
+                <a:tc>
+                  <a:txBody>
+                    <a:bodyPr/>
+                    <a:lstStyle/>
+                    <a:p>
+                      <a:pPr marL="457200" indent="-228600" algn="ctr">
+                        <a:lnSpc>
+                          <a:spcPct val="130000"/>
+                        </a:lnSpc>
+                        <a:spcAft>
+                          <a:spcPts val="800"/>
+                        </a:spcAft>
+                      </a:pPr>
+                      <a:r>
+                        <a:rPr lang="en-US" sz="1200" kern="0">
+                          <a:effectLst/>
+                        </a:rPr>
+                        <a:t>Thứ tự ưu tiên</a:t>
+                      </a:r>
+                      <a:endParaRPr lang="en-US" sz="1200" kern="100">
+                        <a:effectLst/>
+                        <a:latin typeface="Calibri" panose="020F0502020204030204" pitchFamily="34" charset="0"/>
+                        <a:ea typeface="Calibri" panose="020F0502020204030204" pitchFamily="34" charset="0"/>
+                        <a:cs typeface="Times New Roman" panose="02020603050405020304" pitchFamily="18" charset="0"/>
+                      </a:endParaRPr>
+                    </a:p>
+                  </a:txBody>
+                  <a:tcPr marL="47600" marR="47600" marT="47600" marB="47600" anchor="ctr"/>
+                </a:tc>
+                <a:extLst>
+                  <a:ext uri="{0D108BD9-81ED-4DB2-BD59-A6C34878D82A}">
+                    <a16:rowId xmlns:a16="http://schemas.microsoft.com/office/drawing/2014/main" val="3232153949"/>
+                  </a:ext>
+                </a:extLst>
+              </a:tr>
+              <a:tr h="199286">
+                <a:tc>
+                  <a:txBody>
+                    <a:bodyPr/>
+                    <a:lstStyle/>
+                    <a:p>
+                      <a:pPr marL="457200" indent="-228600">
+                        <a:lnSpc>
+                          <a:spcPct val="130000"/>
+                        </a:lnSpc>
+                        <a:spcAft>
+                          <a:spcPts val="800"/>
+                        </a:spcAft>
+                      </a:pPr>
+                      <a:r>
+                        <a:rPr lang="en-US" sz="1200" kern="0">
+                          <a:effectLst/>
+                        </a:rPr>
+                        <a:t>Phép AND bit</a:t>
+                      </a:r>
+                      <a:endParaRPr lang="en-US" sz="1200" kern="100">
+                        <a:effectLst/>
+                        <a:latin typeface="Calibri" panose="020F0502020204030204" pitchFamily="34" charset="0"/>
+                        <a:ea typeface="Calibri" panose="020F0502020204030204" pitchFamily="34" charset="0"/>
+                        <a:cs typeface="Times New Roman" panose="02020603050405020304" pitchFamily="18" charset="0"/>
+                      </a:endParaRPr>
+                    </a:p>
+                  </a:txBody>
+                  <a:tcPr marL="47600" marR="47600" marT="47600" marB="47600" anchor="ctr"/>
+                </a:tc>
+                <a:tc>
+                  <a:txBody>
+                    <a:bodyPr/>
+                    <a:lstStyle/>
+                    <a:p>
+                      <a:pPr marL="457200" indent="-228600">
+                        <a:lnSpc>
+                          <a:spcPct val="130000"/>
+                        </a:lnSpc>
+                        <a:spcAft>
+                          <a:spcPts val="800"/>
+                        </a:spcAft>
+                      </a:pPr>
+                      <a:r>
+                        <a:rPr lang="en-US" sz="1200" kern="0">
+                          <a:effectLst/>
+                        </a:rPr>
+                        <a:t>&amp;</a:t>
+                      </a:r>
+                      <a:endParaRPr lang="en-US" sz="1200" kern="100">
+                        <a:effectLst/>
+                        <a:latin typeface="Calibri" panose="020F0502020204030204" pitchFamily="34" charset="0"/>
+                        <a:ea typeface="Calibri" panose="020F0502020204030204" pitchFamily="34" charset="0"/>
+                        <a:cs typeface="Times New Roman" panose="02020603050405020304" pitchFamily="18" charset="0"/>
+                      </a:endParaRPr>
+                    </a:p>
+                  </a:txBody>
+                  <a:tcPr marL="47600" marR="47600" marT="47600" marB="47600" anchor="ctr"/>
+                </a:tc>
+                <a:tc>
+                  <a:txBody>
+                    <a:bodyPr/>
+                    <a:lstStyle/>
+                    <a:p>
+                      <a:pPr marL="457200" indent="-228600">
+                        <a:lnSpc>
+                          <a:spcPct val="130000"/>
+                        </a:lnSpc>
+                        <a:spcAft>
+                          <a:spcPts val="800"/>
+                        </a:spcAft>
+                      </a:pPr>
+                      <a:r>
+                        <a:rPr lang="en-US" sz="1200" kern="0">
+                          <a:effectLst/>
+                        </a:rPr>
+                        <a:t>Trái sang phải</a:t>
+                      </a:r>
+                      <a:endParaRPr lang="en-US" sz="1200" kern="100">
+                        <a:effectLst/>
+                        <a:latin typeface="Calibri" panose="020F0502020204030204" pitchFamily="34" charset="0"/>
+                        <a:ea typeface="Calibri" panose="020F0502020204030204" pitchFamily="34" charset="0"/>
+                        <a:cs typeface="Times New Roman" panose="02020603050405020304" pitchFamily="18" charset="0"/>
+                      </a:endParaRPr>
+                    </a:p>
+                  </a:txBody>
+                  <a:tcPr marL="47600" marR="47600" marT="47600" marB="47600" anchor="ctr"/>
+                </a:tc>
+                <a:extLst>
+                  <a:ext uri="{0D108BD9-81ED-4DB2-BD59-A6C34878D82A}">
+                    <a16:rowId xmlns:a16="http://schemas.microsoft.com/office/drawing/2014/main" val="2067030204"/>
+                  </a:ext>
+                </a:extLst>
+              </a:tr>
+              <a:tr h="199286">
+                <a:tc>
+                  <a:txBody>
+                    <a:bodyPr/>
+                    <a:lstStyle/>
+                    <a:p>
+                      <a:pPr marL="457200" indent="-228600">
+                        <a:lnSpc>
+                          <a:spcPct val="130000"/>
+                        </a:lnSpc>
+                        <a:spcAft>
+                          <a:spcPts val="800"/>
+                        </a:spcAft>
+                      </a:pPr>
+                      <a:r>
+                        <a:rPr lang="en-US" sz="1200" kern="0">
+                          <a:effectLst/>
+                        </a:rPr>
+                        <a:t>Phép XOR bit</a:t>
+                      </a:r>
+                      <a:endParaRPr lang="en-US" sz="1200" kern="100">
+                        <a:effectLst/>
+                        <a:latin typeface="Calibri" panose="020F0502020204030204" pitchFamily="34" charset="0"/>
+                        <a:ea typeface="Calibri" panose="020F0502020204030204" pitchFamily="34" charset="0"/>
+                        <a:cs typeface="Times New Roman" panose="02020603050405020304" pitchFamily="18" charset="0"/>
+                      </a:endParaRPr>
+                    </a:p>
+                  </a:txBody>
+                  <a:tcPr marL="47600" marR="47600" marT="47600" marB="47600" anchor="ctr"/>
+                </a:tc>
+                <a:tc>
+                  <a:txBody>
+                    <a:bodyPr/>
+                    <a:lstStyle/>
+                    <a:p>
+                      <a:pPr marL="457200" indent="-228600">
+                        <a:lnSpc>
+                          <a:spcPct val="130000"/>
+                        </a:lnSpc>
+                        <a:spcAft>
+                          <a:spcPts val="800"/>
+                        </a:spcAft>
+                      </a:pPr>
+                      <a:r>
+                        <a:rPr lang="en-US" sz="1200" kern="0">
+                          <a:effectLst/>
+                        </a:rPr>
+                        <a:t>^</a:t>
+                      </a:r>
+                      <a:endParaRPr lang="en-US" sz="1200" kern="100">
+                        <a:effectLst/>
+                        <a:latin typeface="Calibri" panose="020F0502020204030204" pitchFamily="34" charset="0"/>
+                        <a:ea typeface="Calibri" panose="020F0502020204030204" pitchFamily="34" charset="0"/>
+                        <a:cs typeface="Times New Roman" panose="02020603050405020304" pitchFamily="18" charset="0"/>
+                      </a:endParaRPr>
+                    </a:p>
+                  </a:txBody>
+                  <a:tcPr marL="47600" marR="47600" marT="47600" marB="47600" anchor="ctr"/>
+                </a:tc>
+                <a:tc>
+                  <a:txBody>
+                    <a:bodyPr/>
+                    <a:lstStyle/>
+                    <a:p>
+                      <a:pPr marL="457200" indent="-228600">
+                        <a:lnSpc>
+                          <a:spcPct val="130000"/>
+                        </a:lnSpc>
+                        <a:spcAft>
+                          <a:spcPts val="800"/>
+                        </a:spcAft>
+                      </a:pPr>
+                      <a:r>
+                        <a:rPr lang="en-US" sz="1200" kern="0">
+                          <a:effectLst/>
+                        </a:rPr>
+                        <a:t>Trái sang phải</a:t>
+                      </a:r>
+                      <a:endParaRPr lang="en-US" sz="1200" kern="100">
+                        <a:effectLst/>
+                        <a:latin typeface="Calibri" panose="020F0502020204030204" pitchFamily="34" charset="0"/>
+                        <a:ea typeface="Calibri" panose="020F0502020204030204" pitchFamily="34" charset="0"/>
+                        <a:cs typeface="Times New Roman" panose="02020603050405020304" pitchFamily="18" charset="0"/>
+                      </a:endParaRPr>
+                    </a:p>
+                  </a:txBody>
+                  <a:tcPr marL="47600" marR="47600" marT="47600" marB="47600" anchor="ctr"/>
+                </a:tc>
+                <a:extLst>
+                  <a:ext uri="{0D108BD9-81ED-4DB2-BD59-A6C34878D82A}">
+                    <a16:rowId xmlns:a16="http://schemas.microsoft.com/office/drawing/2014/main" val="1145811425"/>
+                  </a:ext>
+                </a:extLst>
+              </a:tr>
+              <a:tr h="199286">
+                <a:tc>
+                  <a:txBody>
+                    <a:bodyPr/>
+                    <a:lstStyle/>
+                    <a:p>
+                      <a:pPr marL="457200" indent="-228600">
+                        <a:lnSpc>
+                          <a:spcPct val="130000"/>
+                        </a:lnSpc>
+                        <a:spcAft>
+                          <a:spcPts val="800"/>
+                        </a:spcAft>
+                      </a:pPr>
+                      <a:r>
+                        <a:rPr lang="en-US" sz="1200" kern="0">
+                          <a:effectLst/>
+                        </a:rPr>
+                        <a:t>Phép OR bit</a:t>
+                      </a:r>
+                      <a:endParaRPr lang="en-US" sz="1200" kern="100">
+                        <a:effectLst/>
+                        <a:latin typeface="Calibri" panose="020F0502020204030204" pitchFamily="34" charset="0"/>
+                        <a:ea typeface="Calibri" panose="020F0502020204030204" pitchFamily="34" charset="0"/>
+                        <a:cs typeface="Times New Roman" panose="02020603050405020304" pitchFamily="18" charset="0"/>
+                      </a:endParaRPr>
+                    </a:p>
+                  </a:txBody>
+                  <a:tcPr marL="47600" marR="47600" marT="47600" marB="47600" anchor="ctr"/>
+                </a:tc>
+                <a:tc>
+                  <a:txBody>
+                    <a:bodyPr/>
+                    <a:lstStyle/>
+                    <a:p>
+                      <a:pPr marL="457200" indent="-228600">
+                        <a:lnSpc>
+                          <a:spcPct val="130000"/>
+                        </a:lnSpc>
+                        <a:spcAft>
+                          <a:spcPts val="800"/>
+                        </a:spcAft>
+                      </a:pPr>
+                      <a:r>
+                        <a:rPr lang="en-US" sz="1200" kern="0">
+                          <a:effectLst/>
+                        </a:rPr>
+                        <a:t>|</a:t>
+                      </a:r>
+                      <a:endParaRPr lang="en-US" sz="1200" kern="100">
+                        <a:effectLst/>
+                        <a:latin typeface="Calibri" panose="020F0502020204030204" pitchFamily="34" charset="0"/>
+                        <a:ea typeface="Calibri" panose="020F0502020204030204" pitchFamily="34" charset="0"/>
+                        <a:cs typeface="Times New Roman" panose="02020603050405020304" pitchFamily="18" charset="0"/>
+                      </a:endParaRPr>
+                    </a:p>
+                  </a:txBody>
+                  <a:tcPr marL="47600" marR="47600" marT="47600" marB="47600" anchor="ctr"/>
+                </a:tc>
+                <a:tc>
+                  <a:txBody>
+                    <a:bodyPr/>
+                    <a:lstStyle/>
+                    <a:p>
+                      <a:pPr marL="457200" indent="-228600">
+                        <a:lnSpc>
+                          <a:spcPct val="130000"/>
+                        </a:lnSpc>
+                        <a:spcAft>
+                          <a:spcPts val="800"/>
+                        </a:spcAft>
+                      </a:pPr>
+                      <a:r>
+                        <a:rPr lang="en-US" sz="1200" kern="0">
+                          <a:effectLst/>
+                        </a:rPr>
+                        <a:t>Trái sang phải</a:t>
+                      </a:r>
+                      <a:endParaRPr lang="en-US" sz="1200" kern="100">
+                        <a:effectLst/>
+                        <a:latin typeface="Calibri" panose="020F0502020204030204" pitchFamily="34" charset="0"/>
+                        <a:ea typeface="Calibri" panose="020F0502020204030204" pitchFamily="34" charset="0"/>
+                        <a:cs typeface="Times New Roman" panose="02020603050405020304" pitchFamily="18" charset="0"/>
+                      </a:endParaRPr>
+                    </a:p>
+                  </a:txBody>
+                  <a:tcPr marL="47600" marR="47600" marT="47600" marB="47600" anchor="ctr"/>
+                </a:tc>
+                <a:extLst>
+                  <a:ext uri="{0D108BD9-81ED-4DB2-BD59-A6C34878D82A}">
+                    <a16:rowId xmlns:a16="http://schemas.microsoft.com/office/drawing/2014/main" val="3117660304"/>
+                  </a:ext>
+                </a:extLst>
+              </a:tr>
+              <a:tr h="199286">
+                <a:tc>
+                  <a:txBody>
+                    <a:bodyPr/>
+                    <a:lstStyle/>
+                    <a:p>
+                      <a:pPr marL="457200" indent="-228600">
+                        <a:lnSpc>
+                          <a:spcPct val="130000"/>
+                        </a:lnSpc>
+                        <a:spcAft>
+                          <a:spcPts val="800"/>
+                        </a:spcAft>
+                      </a:pPr>
+                      <a:r>
+                        <a:rPr lang="en-US" sz="1200" kern="0">
+                          <a:effectLst/>
+                        </a:rPr>
+                        <a:t>Phép AND logic</a:t>
+                      </a:r>
+                      <a:endParaRPr lang="en-US" sz="1200" kern="100">
+                        <a:effectLst/>
+                        <a:latin typeface="Calibri" panose="020F0502020204030204" pitchFamily="34" charset="0"/>
+                        <a:ea typeface="Calibri" panose="020F0502020204030204" pitchFamily="34" charset="0"/>
+                        <a:cs typeface="Times New Roman" panose="02020603050405020304" pitchFamily="18" charset="0"/>
+                      </a:endParaRPr>
+                    </a:p>
+                  </a:txBody>
+                  <a:tcPr marL="47600" marR="47600" marT="47600" marB="47600" anchor="ctr"/>
+                </a:tc>
+                <a:tc>
+                  <a:txBody>
+                    <a:bodyPr/>
+                    <a:lstStyle/>
+                    <a:p>
+                      <a:pPr marL="457200" indent="-228600">
+                        <a:lnSpc>
+                          <a:spcPct val="130000"/>
+                        </a:lnSpc>
+                        <a:spcAft>
+                          <a:spcPts val="800"/>
+                        </a:spcAft>
+                      </a:pPr>
+                      <a:r>
+                        <a:rPr lang="en-US" sz="1200" kern="0">
+                          <a:effectLst/>
+                        </a:rPr>
+                        <a:t>&amp;&amp;</a:t>
+                      </a:r>
+                      <a:endParaRPr lang="en-US" sz="1200" kern="100">
+                        <a:effectLst/>
+                        <a:latin typeface="Calibri" panose="020F0502020204030204" pitchFamily="34" charset="0"/>
+                        <a:ea typeface="Calibri" panose="020F0502020204030204" pitchFamily="34" charset="0"/>
+                        <a:cs typeface="Times New Roman" panose="02020603050405020304" pitchFamily="18" charset="0"/>
+                      </a:endParaRPr>
+                    </a:p>
+                  </a:txBody>
+                  <a:tcPr marL="47600" marR="47600" marT="47600" marB="47600" anchor="ctr"/>
+                </a:tc>
+                <a:tc>
+                  <a:txBody>
+                    <a:bodyPr/>
+                    <a:lstStyle/>
+                    <a:p>
+                      <a:pPr marL="457200" indent="-228600">
+                        <a:lnSpc>
+                          <a:spcPct val="130000"/>
+                        </a:lnSpc>
+                        <a:spcAft>
+                          <a:spcPts val="800"/>
+                        </a:spcAft>
+                      </a:pPr>
+                      <a:r>
+                        <a:rPr lang="en-US" sz="1200" kern="0">
+                          <a:effectLst/>
+                        </a:rPr>
+                        <a:t>Trái sang phải</a:t>
+                      </a:r>
+                      <a:endParaRPr lang="en-US" sz="1200" kern="100">
+                        <a:effectLst/>
+                        <a:latin typeface="Calibri" panose="020F0502020204030204" pitchFamily="34" charset="0"/>
+                        <a:ea typeface="Calibri" panose="020F0502020204030204" pitchFamily="34" charset="0"/>
+                        <a:cs typeface="Times New Roman" panose="02020603050405020304" pitchFamily="18" charset="0"/>
+                      </a:endParaRPr>
+                    </a:p>
+                  </a:txBody>
+                  <a:tcPr marL="47600" marR="47600" marT="47600" marB="47600" anchor="ctr"/>
+                </a:tc>
+                <a:extLst>
+                  <a:ext uri="{0D108BD9-81ED-4DB2-BD59-A6C34878D82A}">
+                    <a16:rowId xmlns:a16="http://schemas.microsoft.com/office/drawing/2014/main" val="1415897462"/>
+                  </a:ext>
+                </a:extLst>
+              </a:tr>
+              <a:tr h="199286">
+                <a:tc>
+                  <a:txBody>
+                    <a:bodyPr/>
+                    <a:lstStyle/>
+                    <a:p>
+                      <a:pPr marL="457200" indent="-228600">
+                        <a:lnSpc>
+                          <a:spcPct val="130000"/>
+                        </a:lnSpc>
+                        <a:spcAft>
+                          <a:spcPts val="800"/>
+                        </a:spcAft>
+                      </a:pPr>
+                      <a:r>
+                        <a:rPr lang="en-US" sz="1200" kern="0">
+                          <a:effectLst/>
+                        </a:rPr>
+                        <a:t>Phép OR logic</a:t>
+                      </a:r>
+                      <a:endParaRPr lang="en-US" sz="1200" kern="100">
+                        <a:effectLst/>
+                        <a:latin typeface="Calibri" panose="020F0502020204030204" pitchFamily="34" charset="0"/>
+                        <a:ea typeface="Calibri" panose="020F0502020204030204" pitchFamily="34" charset="0"/>
+                        <a:cs typeface="Times New Roman" panose="02020603050405020304" pitchFamily="18" charset="0"/>
+                      </a:endParaRPr>
+                    </a:p>
+                  </a:txBody>
+                  <a:tcPr marL="47600" marR="47600" marT="47600" marB="47600" anchor="ctr"/>
+                </a:tc>
+                <a:tc>
+                  <a:txBody>
+                    <a:bodyPr/>
+                    <a:lstStyle/>
+                    <a:p>
+                      <a:pPr marL="457200" indent="-228600">
+                        <a:lnSpc>
+                          <a:spcPct val="130000"/>
+                        </a:lnSpc>
+                        <a:spcAft>
+                          <a:spcPts val="800"/>
+                        </a:spcAft>
+                      </a:pPr>
+                      <a:r>
+                        <a:rPr lang="en-US" sz="1200" kern="0">
+                          <a:effectLst/>
+                        </a:rPr>
+                        <a:t>||</a:t>
+                      </a:r>
+                      <a:endParaRPr lang="en-US" sz="1200" kern="100">
+                        <a:effectLst/>
+                        <a:latin typeface="Calibri" panose="020F0502020204030204" pitchFamily="34" charset="0"/>
+                        <a:ea typeface="Calibri" panose="020F0502020204030204" pitchFamily="34" charset="0"/>
+                        <a:cs typeface="Times New Roman" panose="02020603050405020304" pitchFamily="18" charset="0"/>
+                      </a:endParaRPr>
+                    </a:p>
+                  </a:txBody>
+                  <a:tcPr marL="47600" marR="47600" marT="47600" marB="47600" anchor="ctr"/>
+                </a:tc>
+                <a:tc>
+                  <a:txBody>
+                    <a:bodyPr/>
+                    <a:lstStyle/>
+                    <a:p>
+                      <a:pPr marL="457200" indent="-228600">
+                        <a:lnSpc>
+                          <a:spcPct val="130000"/>
+                        </a:lnSpc>
+                        <a:spcAft>
+                          <a:spcPts val="800"/>
+                        </a:spcAft>
+                      </a:pPr>
+                      <a:r>
+                        <a:rPr lang="en-US" sz="1200" kern="0">
+                          <a:effectLst/>
+                        </a:rPr>
+                        <a:t>Trái sang phải</a:t>
+                      </a:r>
+                      <a:endParaRPr lang="en-US" sz="1200" kern="100">
+                        <a:effectLst/>
+                        <a:latin typeface="Calibri" panose="020F0502020204030204" pitchFamily="34" charset="0"/>
+                        <a:ea typeface="Calibri" panose="020F0502020204030204" pitchFamily="34" charset="0"/>
+                        <a:cs typeface="Times New Roman" panose="02020603050405020304" pitchFamily="18" charset="0"/>
+                      </a:endParaRPr>
+                    </a:p>
+                  </a:txBody>
+                  <a:tcPr marL="47600" marR="47600" marT="47600" marB="47600" anchor="ctr"/>
+                </a:tc>
+                <a:extLst>
+                  <a:ext uri="{0D108BD9-81ED-4DB2-BD59-A6C34878D82A}">
+                    <a16:rowId xmlns:a16="http://schemas.microsoft.com/office/drawing/2014/main" val="2486390496"/>
+                  </a:ext>
+                </a:extLst>
+              </a:tr>
+              <a:tr h="199286">
+                <a:tc>
+                  <a:txBody>
+                    <a:bodyPr/>
+                    <a:lstStyle/>
+                    <a:p>
+                      <a:pPr marL="457200" indent="-228600">
+                        <a:lnSpc>
+                          <a:spcPct val="130000"/>
+                        </a:lnSpc>
+                        <a:spcAft>
+                          <a:spcPts val="800"/>
+                        </a:spcAft>
+                      </a:pPr>
+                      <a:r>
+                        <a:rPr lang="en-US" sz="1200" kern="0">
+                          <a:effectLst/>
+                        </a:rPr>
+                        <a:t>Điều kiện</a:t>
+                      </a:r>
+                      <a:endParaRPr lang="en-US" sz="1200" kern="100">
+                        <a:effectLst/>
+                        <a:latin typeface="Calibri" panose="020F0502020204030204" pitchFamily="34" charset="0"/>
+                        <a:ea typeface="Calibri" panose="020F0502020204030204" pitchFamily="34" charset="0"/>
+                        <a:cs typeface="Times New Roman" panose="02020603050405020304" pitchFamily="18" charset="0"/>
+                      </a:endParaRPr>
+                    </a:p>
+                  </a:txBody>
+                  <a:tcPr marL="47600" marR="47600" marT="47600" marB="47600" anchor="ctr"/>
+                </a:tc>
+                <a:tc>
+                  <a:txBody>
+                    <a:bodyPr/>
+                    <a:lstStyle/>
+                    <a:p>
+                      <a:pPr marL="457200" indent="-228600">
+                        <a:lnSpc>
+                          <a:spcPct val="130000"/>
+                        </a:lnSpc>
+                        <a:spcAft>
+                          <a:spcPts val="800"/>
+                        </a:spcAft>
+                      </a:pPr>
+                      <a:r>
+                        <a:rPr lang="en-US" sz="1200" kern="0">
+                          <a:effectLst/>
+                        </a:rPr>
+                        <a:t>?:</a:t>
+                      </a:r>
+                      <a:endParaRPr lang="en-US" sz="1200" kern="100">
+                        <a:effectLst/>
+                        <a:latin typeface="Calibri" panose="020F0502020204030204" pitchFamily="34" charset="0"/>
+                        <a:ea typeface="Calibri" panose="020F0502020204030204" pitchFamily="34" charset="0"/>
+                        <a:cs typeface="Times New Roman" panose="02020603050405020304" pitchFamily="18" charset="0"/>
+                      </a:endParaRPr>
+                    </a:p>
+                  </a:txBody>
+                  <a:tcPr marL="47600" marR="47600" marT="47600" marB="47600" anchor="ctr"/>
+                </a:tc>
+                <a:tc>
+                  <a:txBody>
+                    <a:bodyPr/>
+                    <a:lstStyle/>
+                    <a:p>
+                      <a:pPr marL="457200" indent="-228600">
+                        <a:lnSpc>
+                          <a:spcPct val="130000"/>
+                        </a:lnSpc>
+                        <a:spcAft>
+                          <a:spcPts val="800"/>
+                        </a:spcAft>
+                      </a:pPr>
+                      <a:r>
+                        <a:rPr lang="en-US" sz="1200" kern="0">
+                          <a:effectLst/>
+                        </a:rPr>
+                        <a:t>Phải sang trái</a:t>
+                      </a:r>
+                      <a:endParaRPr lang="en-US" sz="1200" kern="100">
+                        <a:effectLst/>
+                        <a:latin typeface="Calibri" panose="020F0502020204030204" pitchFamily="34" charset="0"/>
+                        <a:ea typeface="Calibri" panose="020F0502020204030204" pitchFamily="34" charset="0"/>
+                        <a:cs typeface="Times New Roman" panose="02020603050405020304" pitchFamily="18" charset="0"/>
+                      </a:endParaRPr>
+                    </a:p>
+                  </a:txBody>
+                  <a:tcPr marL="47600" marR="47600" marT="47600" marB="47600" anchor="ctr"/>
+                </a:tc>
+                <a:extLst>
+                  <a:ext uri="{0D108BD9-81ED-4DB2-BD59-A6C34878D82A}">
+                    <a16:rowId xmlns:a16="http://schemas.microsoft.com/office/drawing/2014/main" val="3041468772"/>
+                  </a:ext>
+                </a:extLst>
+              </a:tr>
+              <a:tr h="427006">
+                <a:tc>
+                  <a:txBody>
+                    <a:bodyPr/>
+                    <a:lstStyle/>
+                    <a:p>
+                      <a:pPr marL="457200" indent="-228600">
+                        <a:lnSpc>
+                          <a:spcPct val="130000"/>
+                        </a:lnSpc>
+                        <a:spcAft>
+                          <a:spcPts val="800"/>
+                        </a:spcAft>
+                      </a:pPr>
+                      <a:r>
+                        <a:rPr lang="en-US" sz="1200" kern="0">
+                          <a:effectLst/>
+                        </a:rPr>
+                        <a:t>Gán</a:t>
+                      </a:r>
+                      <a:endParaRPr lang="en-US" sz="1200" kern="100">
+                        <a:effectLst/>
+                        <a:latin typeface="Calibri" panose="020F0502020204030204" pitchFamily="34" charset="0"/>
+                        <a:ea typeface="Calibri" panose="020F0502020204030204" pitchFamily="34" charset="0"/>
+                        <a:cs typeface="Times New Roman" panose="02020603050405020304" pitchFamily="18" charset="0"/>
+                      </a:endParaRPr>
+                    </a:p>
+                  </a:txBody>
+                  <a:tcPr marL="47600" marR="47600" marT="47600" marB="47600" anchor="ctr"/>
+                </a:tc>
+                <a:tc>
+                  <a:txBody>
+                    <a:bodyPr/>
+                    <a:lstStyle/>
+                    <a:p>
+                      <a:pPr marL="457200" indent="-228600">
+                        <a:lnSpc>
+                          <a:spcPct val="130000"/>
+                        </a:lnSpc>
+                        <a:spcAft>
+                          <a:spcPts val="800"/>
+                        </a:spcAft>
+                      </a:pPr>
+                      <a:r>
+                        <a:rPr lang="en-US" sz="1200" kern="0">
+                          <a:effectLst/>
+                        </a:rPr>
+                        <a:t>= += -= *= /= %= &gt;&gt;= &lt;&lt;= &amp;= ^= |=</a:t>
+                      </a:r>
+                      <a:endParaRPr lang="en-US" sz="1200" kern="100">
+                        <a:effectLst/>
+                        <a:latin typeface="Calibri" panose="020F0502020204030204" pitchFamily="34" charset="0"/>
+                        <a:ea typeface="Calibri" panose="020F0502020204030204" pitchFamily="34" charset="0"/>
+                        <a:cs typeface="Times New Roman" panose="02020603050405020304" pitchFamily="18" charset="0"/>
+                      </a:endParaRPr>
+                    </a:p>
+                  </a:txBody>
+                  <a:tcPr marL="47600" marR="47600" marT="47600" marB="47600" anchor="ctr"/>
+                </a:tc>
+                <a:tc>
+                  <a:txBody>
+                    <a:bodyPr/>
+                    <a:lstStyle/>
+                    <a:p>
+                      <a:pPr marL="457200" indent="-228600">
+                        <a:lnSpc>
+                          <a:spcPct val="130000"/>
+                        </a:lnSpc>
+                        <a:spcAft>
+                          <a:spcPts val="800"/>
+                        </a:spcAft>
+                      </a:pPr>
+                      <a:r>
+                        <a:rPr lang="en-US" sz="1200" kern="0">
+                          <a:effectLst/>
+                        </a:rPr>
+                        <a:t>Phải sang trái</a:t>
+                      </a:r>
+                      <a:endParaRPr lang="en-US" sz="1200" kern="100">
+                        <a:effectLst/>
+                        <a:latin typeface="Calibri" panose="020F0502020204030204" pitchFamily="34" charset="0"/>
+                        <a:ea typeface="Calibri" panose="020F0502020204030204" pitchFamily="34" charset="0"/>
+                        <a:cs typeface="Times New Roman" panose="02020603050405020304" pitchFamily="18" charset="0"/>
+                      </a:endParaRPr>
+                    </a:p>
+                  </a:txBody>
+                  <a:tcPr marL="47600" marR="47600" marT="47600" marB="47600" anchor="ctr"/>
+                </a:tc>
+                <a:extLst>
+                  <a:ext uri="{0D108BD9-81ED-4DB2-BD59-A6C34878D82A}">
+                    <a16:rowId xmlns:a16="http://schemas.microsoft.com/office/drawing/2014/main" val="717820196"/>
+                  </a:ext>
+                </a:extLst>
+              </a:tr>
+              <a:tr h="199286">
+                <a:tc>
+                  <a:txBody>
+                    <a:bodyPr/>
+                    <a:lstStyle/>
+                    <a:p>
+                      <a:pPr marL="457200" indent="-228600">
+                        <a:lnSpc>
+                          <a:spcPct val="130000"/>
+                        </a:lnSpc>
+                        <a:spcAft>
+                          <a:spcPts val="800"/>
+                        </a:spcAft>
+                      </a:pPr>
+                      <a:r>
+                        <a:rPr lang="en-US" sz="1200" kern="0">
+                          <a:effectLst/>
+                        </a:rPr>
+                        <a:t>Dấu phảy</a:t>
+                      </a:r>
+                      <a:endParaRPr lang="en-US" sz="1200" kern="100">
+                        <a:effectLst/>
+                        <a:latin typeface="Calibri" panose="020F0502020204030204" pitchFamily="34" charset="0"/>
+                        <a:ea typeface="Calibri" panose="020F0502020204030204" pitchFamily="34" charset="0"/>
+                        <a:cs typeface="Times New Roman" panose="02020603050405020304" pitchFamily="18" charset="0"/>
+                      </a:endParaRPr>
+                    </a:p>
+                  </a:txBody>
+                  <a:tcPr marL="47600" marR="47600" marT="47600" marB="47600" anchor="ctr"/>
+                </a:tc>
+                <a:tc>
+                  <a:txBody>
+                    <a:bodyPr/>
+                    <a:lstStyle/>
+                    <a:p>
+                      <a:pPr marL="457200" indent="-228600">
+                        <a:lnSpc>
+                          <a:spcPct val="130000"/>
+                        </a:lnSpc>
+                        <a:spcAft>
+                          <a:spcPts val="800"/>
+                        </a:spcAft>
+                      </a:pPr>
+                      <a:r>
+                        <a:rPr lang="en-US" sz="1200" kern="0">
+                          <a:effectLst/>
+                        </a:rPr>
+                        <a:t>,</a:t>
+                      </a:r>
+                      <a:endParaRPr lang="en-US" sz="1200" kern="100">
+                        <a:effectLst/>
+                        <a:latin typeface="Calibri" panose="020F0502020204030204" pitchFamily="34" charset="0"/>
+                        <a:ea typeface="Calibri" panose="020F0502020204030204" pitchFamily="34" charset="0"/>
+                        <a:cs typeface="Times New Roman" panose="02020603050405020304" pitchFamily="18" charset="0"/>
+                      </a:endParaRPr>
+                    </a:p>
+                  </a:txBody>
+                  <a:tcPr marL="47600" marR="47600" marT="47600" marB="47600" anchor="ctr"/>
+                </a:tc>
+                <a:tc>
+                  <a:txBody>
+                    <a:bodyPr/>
+                    <a:lstStyle/>
+                    <a:p>
+                      <a:pPr marL="457200" indent="-228600">
+                        <a:lnSpc>
+                          <a:spcPct val="130000"/>
+                        </a:lnSpc>
+                        <a:spcAft>
+                          <a:spcPts val="800"/>
+                        </a:spcAft>
+                      </a:pPr>
+                      <a:r>
+                        <a:rPr lang="en-US" sz="1200" kern="0">
+                          <a:effectLst/>
+                        </a:rPr>
+                        <a:t>Trái sang phải</a:t>
+                      </a:r>
+                      <a:endParaRPr lang="en-US" sz="1200" kern="100">
+                        <a:effectLst/>
+                        <a:latin typeface="Calibri" panose="020F0502020204030204" pitchFamily="34" charset="0"/>
+                        <a:ea typeface="Calibri" panose="020F0502020204030204" pitchFamily="34" charset="0"/>
+                        <a:cs typeface="Times New Roman" panose="02020603050405020304" pitchFamily="18" charset="0"/>
+                      </a:endParaRPr>
+                    </a:p>
+                  </a:txBody>
+                  <a:tcPr marL="47600" marR="47600" marT="47600" marB="47600" anchor="ctr"/>
+                </a:tc>
+                <a:extLst>
+                  <a:ext uri="{0D108BD9-81ED-4DB2-BD59-A6C34878D82A}">
+                    <a16:rowId xmlns:a16="http://schemas.microsoft.com/office/drawing/2014/main" val="4176007798"/>
+                  </a:ext>
+                </a:extLst>
+              </a:tr>
+            </a:tbl>
+          </a:graphicData>
+        </a:graphic>
+      </p:graphicFrame>
+    </p:spTree>
+    <p:extLst>
+      <p:ext uri="{BB962C8B-B14F-4D97-AF65-F5344CB8AC3E}">
+        <p14:creationId xmlns:p14="http://schemas.microsoft.com/office/powerpoint/2010/main" val="3550664725"/>
+      </p:ext>
+    </p:extLst>
+  </p:cSld>
+  <p:clrMapOvr>
+    <a:masterClrMapping/>
+  </p:clrMapOvr>
+</p:sld>
+</file>
+
+<file path=ppt/slides/slide42.xml><?xml version="1.0" encoding="utf-8"?>
+<p:sld xmlns:a="http://schemas.openxmlformats.org/drawingml/2006/main" xmlns:r="http://schemas.openxmlformats.org/officeDocument/2006/relationships" xmlns:p="http://schemas.openxmlformats.org/presentationml/2006/main">
+  <p:cSld>
+    <p:spTree>
+      <p:nvGrpSpPr>
+        <p:cNvPr id="1" name=""/>
+        <p:cNvGrpSpPr/>
+        <p:nvPr/>
+      </p:nvGrpSpPr>
+      <p:grpSpPr>
+        <a:xfrm>
+          <a:off x="0" y="0"/>
+          <a:ext cx="0" cy="0"/>
+          <a:chOff x="0" y="0"/>
+          <a:chExt cx="0" cy="0"/>
+        </a:xfrm>
+      </p:grpSpPr>
+      <p:sp>
+        <p:nvSpPr>
+          <p:cNvPr id="2" name="Title 1">
+            <a:extLst>
+              <a:ext uri="{FF2B5EF4-FFF2-40B4-BE49-F238E27FC236}">
+                <a16:creationId xmlns:a16="http://schemas.microsoft.com/office/drawing/2014/main" id="{381C631E-28EB-A7CD-D440-F201CB13DD6F}"/>
+              </a:ext>
+            </a:extLst>
+          </p:cNvPr>
+          <p:cNvSpPr>
+            <a:spLocks noGrp="1"/>
+          </p:cNvSpPr>
+          <p:nvPr>
+            <p:ph type="title"/>
+          </p:nvPr>
+        </p:nvSpPr>
+        <p:spPr/>
+        <p:txBody>
+          <a:bodyPr>
+            <a:normAutofit fontScale="90000"/>
+          </a:bodyPr>
+          <a:lstStyle/>
+          <a:p>
+            <a:r>
+              <a:rPr lang="vi-VN"/>
+              <a:t>Q &amp; A</a:t>
+            </a:r>
+            <a:endParaRPr lang="en-US"/>
+          </a:p>
+        </p:txBody>
+      </p:sp>
+      <p:pic>
+        <p:nvPicPr>
+          <p:cNvPr id="3" name="Picture 2">
+            <a:extLst>
+              <a:ext uri="{FF2B5EF4-FFF2-40B4-BE49-F238E27FC236}">
+                <a16:creationId xmlns:a16="http://schemas.microsoft.com/office/drawing/2014/main" id="{5D66AF7C-9ECD-44CF-0CCA-384FA66A3D14}"/>
+              </a:ext>
+            </a:extLst>
+          </p:cNvPr>
+          <p:cNvPicPr>
+            <a:picLocks noChangeAspect="1"/>
+          </p:cNvPicPr>
+          <p:nvPr/>
+        </p:nvPicPr>
+        <p:blipFill>
+          <a:blip r:embed="rId2"/>
+          <a:stretch>
+            <a:fillRect/>
+          </a:stretch>
+        </p:blipFill>
+        <p:spPr>
+          <a:xfrm>
+            <a:off x="0" y="0"/>
+            <a:ext cx="9144000" cy="5143500"/>
+          </a:xfrm>
+          <a:prstGeom prst="rect">
+            <a:avLst/>
+          </a:prstGeom>
+        </p:spPr>
+      </p:pic>
+    </p:spTree>
+    <p:extLst>
+      <p:ext uri="{BB962C8B-B14F-4D97-AF65-F5344CB8AC3E}">
+        <p14:creationId xmlns:p14="http://schemas.microsoft.com/office/powerpoint/2010/main" val="2150662102"/>
+      </p:ext>
+    </p:extLst>
   </p:cSld>
   <p:clrMapOvr>
     <a:masterClrMapping/>
